--- a/_book/plot/unnamed-chunk-82-1.pptx
+++ b/_book/plot/unnamed-chunk-82-1.pptx
@@ -3192,8 +3192,8 @@
           </p:nvSpPr>
           <p:spPr>
             <a:xfrm>
-              <a:off x="4304370" y="2170883"/>
-              <a:ext cx="6827440" cy="3078467"/>
+              <a:off x="4302627" y="2167186"/>
+              <a:ext cx="6829183" cy="3083141"/>
             </a:xfrm>
             <a:prstGeom prst="rect">
               <a:avLst/>
@@ -3218,21 +3218,21 @@
           </p:nvSpPr>
           <p:spPr>
             <a:xfrm>
-              <a:off x="4304370" y="4992812"/>
-              <a:ext cx="6827440" cy="0"/>
+              <a:off x="4302627" y="4993399"/>
+              <a:ext cx="6829183" cy="0"/>
             </a:xfrm>
             <a:custGeom>
               <a:avLst/>
               <a:pathLst>
-                <a:path w="6827440" h="0">
+                <a:path w="6829183" h="0">
                   <a:moveTo>
                     <a:pt x="0" y="0"/>
                   </a:moveTo>
                   <a:lnTo>
-                    <a:pt x="6827440" y="0"/>
-                  </a:lnTo>
-                  <a:lnTo>
-                    <a:pt x="6827440" y="0"/>
+                    <a:pt x="6829183" y="0"/>
+                  </a:lnTo>
+                  <a:lnTo>
+                    <a:pt x="6829183" y="0"/>
                   </a:lnTo>
                 </a:path>
               </a:pathLst>
@@ -3261,21 +3261,21 @@
           </p:nvSpPr>
           <p:spPr>
             <a:xfrm>
-              <a:off x="4304370" y="4259843"/>
-              <a:ext cx="6827440" cy="0"/>
+              <a:off x="4302627" y="4259318"/>
+              <a:ext cx="6829183" cy="0"/>
             </a:xfrm>
             <a:custGeom>
               <a:avLst/>
               <a:pathLst>
-                <a:path w="6827440" h="0">
+                <a:path w="6829183" h="0">
                   <a:moveTo>
                     <a:pt x="0" y="0"/>
                   </a:moveTo>
                   <a:lnTo>
-                    <a:pt x="6827440" y="0"/>
-                  </a:lnTo>
-                  <a:lnTo>
-                    <a:pt x="6827440" y="0"/>
+                    <a:pt x="6829183" y="0"/>
+                  </a:lnTo>
+                  <a:lnTo>
+                    <a:pt x="6829183" y="0"/>
                   </a:lnTo>
                 </a:path>
               </a:pathLst>
@@ -3304,21 +3304,21 @@
           </p:nvSpPr>
           <p:spPr>
             <a:xfrm>
-              <a:off x="4304370" y="3526875"/>
-              <a:ext cx="6827440" cy="0"/>
+              <a:off x="4302627" y="3525236"/>
+              <a:ext cx="6829183" cy="0"/>
             </a:xfrm>
             <a:custGeom>
               <a:avLst/>
               <a:pathLst>
-                <a:path w="6827440" h="0">
+                <a:path w="6829183" h="0">
                   <a:moveTo>
                     <a:pt x="0" y="0"/>
                   </a:moveTo>
                   <a:lnTo>
-                    <a:pt x="6827440" y="0"/>
-                  </a:lnTo>
-                  <a:lnTo>
-                    <a:pt x="6827440" y="0"/>
+                    <a:pt x="6829183" y="0"/>
+                  </a:lnTo>
+                  <a:lnTo>
+                    <a:pt x="6829183" y="0"/>
                   </a:lnTo>
                 </a:path>
               </a:pathLst>
@@ -3347,21 +3347,21 @@
           </p:nvSpPr>
           <p:spPr>
             <a:xfrm>
-              <a:off x="4304370" y="2793906"/>
-              <a:ext cx="6827440" cy="0"/>
+              <a:off x="4302627" y="2791155"/>
+              <a:ext cx="6829183" cy="0"/>
             </a:xfrm>
             <a:custGeom>
               <a:avLst/>
               <a:pathLst>
-                <a:path w="6827440" h="0">
+                <a:path w="6829183" h="0">
                   <a:moveTo>
                     <a:pt x="0" y="0"/>
                   </a:moveTo>
                   <a:lnTo>
-                    <a:pt x="6827440" y="0"/>
-                  </a:lnTo>
-                  <a:lnTo>
-                    <a:pt x="6827440" y="0"/>
+                    <a:pt x="6829183" y="0"/>
+                  </a:lnTo>
+                  <a:lnTo>
+                    <a:pt x="6829183" y="0"/>
                   </a:lnTo>
                 </a:path>
               </a:pathLst>
@@ -3390,21 +3390,21 @@
           </p:nvSpPr>
           <p:spPr>
             <a:xfrm>
-              <a:off x="4304370" y="4626328"/>
-              <a:ext cx="6827440" cy="0"/>
+              <a:off x="4302627" y="4626359"/>
+              <a:ext cx="6829183" cy="0"/>
             </a:xfrm>
             <a:custGeom>
               <a:avLst/>
               <a:pathLst>
-                <a:path w="6827440" h="0">
+                <a:path w="6829183" h="0">
                   <a:moveTo>
                     <a:pt x="0" y="0"/>
                   </a:moveTo>
                   <a:lnTo>
-                    <a:pt x="6827440" y="0"/>
-                  </a:lnTo>
-                  <a:lnTo>
-                    <a:pt x="6827440" y="0"/>
+                    <a:pt x="6829183" y="0"/>
+                  </a:lnTo>
+                  <a:lnTo>
+                    <a:pt x="6829183" y="0"/>
                   </a:lnTo>
                 </a:path>
               </a:pathLst>
@@ -3433,21 +3433,21 @@
           </p:nvSpPr>
           <p:spPr>
             <a:xfrm>
-              <a:off x="4304370" y="3893359"/>
-              <a:ext cx="6827440" cy="0"/>
+              <a:off x="4302627" y="3892277"/>
+              <a:ext cx="6829183" cy="0"/>
             </a:xfrm>
             <a:custGeom>
               <a:avLst/>
               <a:pathLst>
-                <a:path w="6827440" h="0">
+                <a:path w="6829183" h="0">
                   <a:moveTo>
                     <a:pt x="0" y="0"/>
                   </a:moveTo>
                   <a:lnTo>
-                    <a:pt x="6827440" y="0"/>
-                  </a:lnTo>
-                  <a:lnTo>
-                    <a:pt x="6827440" y="0"/>
+                    <a:pt x="6829183" y="0"/>
+                  </a:lnTo>
+                  <a:lnTo>
+                    <a:pt x="6829183" y="0"/>
                   </a:lnTo>
                 </a:path>
               </a:pathLst>
@@ -3476,21 +3476,21 @@
           </p:nvSpPr>
           <p:spPr>
             <a:xfrm>
-              <a:off x="4304370" y="3160391"/>
-              <a:ext cx="6827440" cy="0"/>
+              <a:off x="4302627" y="3158196"/>
+              <a:ext cx="6829183" cy="0"/>
             </a:xfrm>
             <a:custGeom>
               <a:avLst/>
               <a:pathLst>
-                <a:path w="6827440" h="0">
+                <a:path w="6829183" h="0">
                   <a:moveTo>
                     <a:pt x="0" y="0"/>
                   </a:moveTo>
                   <a:lnTo>
-                    <a:pt x="6827440" y="0"/>
-                  </a:lnTo>
-                  <a:lnTo>
-                    <a:pt x="6827440" y="0"/>
+                    <a:pt x="6829183" y="0"/>
+                  </a:lnTo>
+                  <a:lnTo>
+                    <a:pt x="6829183" y="0"/>
                   </a:lnTo>
                 </a:path>
               </a:pathLst>
@@ -3519,21 +3519,21 @@
           </p:nvSpPr>
           <p:spPr>
             <a:xfrm>
-              <a:off x="4304370" y="2427422"/>
-              <a:ext cx="6827440" cy="0"/>
+              <a:off x="4302627" y="2424114"/>
+              <a:ext cx="6829183" cy="0"/>
             </a:xfrm>
             <a:custGeom>
               <a:avLst/>
               <a:pathLst>
-                <a:path w="6827440" h="0">
+                <a:path w="6829183" h="0">
                   <a:moveTo>
                     <a:pt x="0" y="0"/>
                   </a:moveTo>
                   <a:lnTo>
-                    <a:pt x="6827440" y="0"/>
-                  </a:lnTo>
-                  <a:lnTo>
-                    <a:pt x="6827440" y="0"/>
+                    <a:pt x="6829183" y="0"/>
+                  </a:lnTo>
+                  <a:lnTo>
+                    <a:pt x="6829183" y="0"/>
                   </a:lnTo>
                 </a:path>
               </a:pathLst>
@@ -3562,15 +3562,15 @@
           </p:nvSpPr>
           <p:spPr>
             <a:xfrm>
-              <a:off x="4803939" y="2170883"/>
-              <a:ext cx="0" cy="3078467"/>
+              <a:off x="4802323" y="2167186"/>
+              <a:ext cx="0" cy="3083141"/>
             </a:xfrm>
             <a:custGeom>
               <a:avLst/>
               <a:pathLst>
-                <a:path w="0" h="3078467">
+                <a:path w="0" h="3083141">
                   <a:moveTo>
-                    <a:pt x="0" y="3078467"/>
+                    <a:pt x="0" y="3083141"/>
                   </a:moveTo>
                   <a:lnTo>
                     <a:pt x="0" y="0"/>
@@ -3605,15 +3605,15 @@
           </p:nvSpPr>
           <p:spPr>
             <a:xfrm>
-              <a:off x="5636554" y="2170883"/>
-              <a:ext cx="0" cy="3078467"/>
+              <a:off x="5635150" y="2167186"/>
+              <a:ext cx="0" cy="3083141"/>
             </a:xfrm>
             <a:custGeom>
               <a:avLst/>
               <a:pathLst>
-                <a:path w="0" h="3078467">
+                <a:path w="0" h="3083141">
                   <a:moveTo>
-                    <a:pt x="0" y="3078467"/>
+                    <a:pt x="0" y="3083141"/>
                   </a:moveTo>
                   <a:lnTo>
                     <a:pt x="0" y="0"/>
@@ -3648,15 +3648,15 @@
           </p:nvSpPr>
           <p:spPr>
             <a:xfrm>
-              <a:off x="6469168" y="2170883"/>
-              <a:ext cx="0" cy="3078467"/>
+              <a:off x="6467978" y="2167186"/>
+              <a:ext cx="0" cy="3083141"/>
             </a:xfrm>
             <a:custGeom>
               <a:avLst/>
               <a:pathLst>
-                <a:path w="0" h="3078467">
+                <a:path w="0" h="3083141">
                   <a:moveTo>
-                    <a:pt x="0" y="3078467"/>
+                    <a:pt x="0" y="3083141"/>
                   </a:moveTo>
                   <a:lnTo>
                     <a:pt x="0" y="0"/>
@@ -3691,15 +3691,15 @@
           </p:nvSpPr>
           <p:spPr>
             <a:xfrm>
-              <a:off x="7301783" y="2170883"/>
-              <a:ext cx="0" cy="3078467"/>
+              <a:off x="7300805" y="2167186"/>
+              <a:ext cx="0" cy="3083141"/>
             </a:xfrm>
             <a:custGeom>
               <a:avLst/>
               <a:pathLst>
-                <a:path w="0" h="3078467">
+                <a:path w="0" h="3083141">
                   <a:moveTo>
-                    <a:pt x="0" y="3078467"/>
+                    <a:pt x="0" y="3083141"/>
                   </a:moveTo>
                   <a:lnTo>
                     <a:pt x="0" y="0"/>
@@ -3734,15 +3734,15 @@
           </p:nvSpPr>
           <p:spPr>
             <a:xfrm>
-              <a:off x="8134398" y="2170883"/>
-              <a:ext cx="0" cy="3078467"/>
+              <a:off x="8133632" y="2167186"/>
+              <a:ext cx="0" cy="3083141"/>
             </a:xfrm>
             <a:custGeom>
               <a:avLst/>
               <a:pathLst>
-                <a:path w="0" h="3078467">
+                <a:path w="0" h="3083141">
                   <a:moveTo>
-                    <a:pt x="0" y="3078467"/>
+                    <a:pt x="0" y="3083141"/>
                   </a:moveTo>
                   <a:lnTo>
                     <a:pt x="0" y="0"/>
@@ -3777,15 +3777,15 @@
           </p:nvSpPr>
           <p:spPr>
             <a:xfrm>
-              <a:off x="8967012" y="2170883"/>
-              <a:ext cx="0" cy="3078467"/>
+              <a:off x="8966460" y="2167186"/>
+              <a:ext cx="0" cy="3083141"/>
             </a:xfrm>
             <a:custGeom>
               <a:avLst/>
               <a:pathLst>
-                <a:path w="0" h="3078467">
+                <a:path w="0" h="3083141">
                   <a:moveTo>
-                    <a:pt x="0" y="3078467"/>
+                    <a:pt x="0" y="3083141"/>
                   </a:moveTo>
                   <a:lnTo>
                     <a:pt x="0" y="0"/>
@@ -3820,15 +3820,15 @@
           </p:nvSpPr>
           <p:spPr>
             <a:xfrm>
-              <a:off x="9799627" y="2170883"/>
-              <a:ext cx="0" cy="3078467"/>
+              <a:off x="9799287" y="2167186"/>
+              <a:ext cx="0" cy="3083141"/>
             </a:xfrm>
             <a:custGeom>
               <a:avLst/>
               <a:pathLst>
-                <a:path w="0" h="3078467">
+                <a:path w="0" h="3083141">
                   <a:moveTo>
-                    <a:pt x="0" y="3078467"/>
+                    <a:pt x="0" y="3083141"/>
                   </a:moveTo>
                   <a:lnTo>
                     <a:pt x="0" y="0"/>
@@ -3863,15 +3863,15 @@
           </p:nvSpPr>
           <p:spPr>
             <a:xfrm>
-              <a:off x="10632242" y="2170883"/>
-              <a:ext cx="0" cy="3078467"/>
+              <a:off x="10632114" y="2167186"/>
+              <a:ext cx="0" cy="3083141"/>
             </a:xfrm>
             <a:custGeom>
               <a:avLst/>
               <a:pathLst>
-                <a:path w="0" h="3078467">
+                <a:path w="0" h="3083141">
                   <a:moveTo>
-                    <a:pt x="0" y="3078467"/>
+                    <a:pt x="0" y="3083141"/>
                   </a:moveTo>
                   <a:lnTo>
                     <a:pt x="0" y="0"/>
@@ -3906,15 +3906,15 @@
           </p:nvSpPr>
           <p:spPr>
             <a:xfrm>
-              <a:off x="4803939" y="2427422"/>
-              <a:ext cx="0" cy="366484"/>
+              <a:off x="4802323" y="2424114"/>
+              <a:ext cx="0" cy="367040"/>
             </a:xfrm>
             <a:custGeom>
               <a:avLst/>
               <a:pathLst>
-                <a:path w="0" h="366484">
+                <a:path w="0" h="367040">
                   <a:moveTo>
-                    <a:pt x="0" y="366484"/>
+                    <a:pt x="0" y="367040"/>
                   </a:moveTo>
                   <a:lnTo>
                     <a:pt x="0" y="0"/>
@@ -3946,18 +3946,18 @@
           </p:nvSpPr>
           <p:spPr>
             <a:xfrm>
-              <a:off x="4803939" y="3160391"/>
-              <a:ext cx="0" cy="366484"/>
+              <a:off x="4802323" y="3158196"/>
+              <a:ext cx="0" cy="367040"/>
             </a:xfrm>
             <a:custGeom>
               <a:avLst/>
               <a:pathLst>
-                <a:path w="0" h="366484">
+                <a:path w="0" h="367040">
                   <a:moveTo>
                     <a:pt x="0" y="0"/>
                   </a:moveTo>
                   <a:lnTo>
-                    <a:pt x="0" y="366484"/>
+                    <a:pt x="0" y="367040"/>
                   </a:lnTo>
                 </a:path>
               </a:pathLst>
@@ -3986,24 +3986,24 @@
           </p:nvSpPr>
           <p:spPr>
             <a:xfrm>
-              <a:off x="4491709" y="2793906"/>
-              <a:ext cx="624460" cy="366484"/>
+              <a:off x="4490013" y="2791155"/>
+              <a:ext cx="624620" cy="367040"/>
             </a:xfrm>
             <a:custGeom>
               <a:avLst/>
               <a:pathLst>
-                <a:path w="624460" h="366484">
+                <a:path w="624620" h="367040">
                   <a:moveTo>
                     <a:pt x="0" y="0"/>
                   </a:moveTo>
                   <a:lnTo>
-                    <a:pt x="0" y="366484"/>
-                  </a:lnTo>
-                  <a:lnTo>
-                    <a:pt x="624460" y="366484"/>
-                  </a:lnTo>
-                  <a:lnTo>
-                    <a:pt x="624460" y="0"/>
+                    <a:pt x="0" y="367040"/>
+                  </a:lnTo>
+                  <a:lnTo>
+                    <a:pt x="624620" y="367040"/>
+                  </a:lnTo>
+                  <a:lnTo>
+                    <a:pt x="624620" y="0"/>
                   </a:lnTo>
                   <a:close/>
                 </a:path>
@@ -4038,18 +4038,18 @@
           </p:nvSpPr>
           <p:spPr>
             <a:xfrm>
-              <a:off x="4491709" y="3160391"/>
-              <a:ext cx="624460" cy="0"/>
+              <a:off x="4490013" y="3158196"/>
+              <a:ext cx="624620" cy="0"/>
             </a:xfrm>
             <a:custGeom>
               <a:avLst/>
               <a:pathLst>
-                <a:path w="624460" h="0">
+                <a:path w="624620" h="0">
                   <a:moveTo>
                     <a:pt x="0" y="0"/>
                   </a:moveTo>
                   <a:lnTo>
-                    <a:pt x="624460" y="0"/>
+                    <a:pt x="624620" y="0"/>
                   </a:lnTo>
                 </a:path>
               </a:pathLst>
@@ -4078,15 +4078,15 @@
           </p:nvSpPr>
           <p:spPr>
             <a:xfrm>
-              <a:off x="5636554" y="2427422"/>
-              <a:ext cx="0" cy="366484"/>
+              <a:off x="5635150" y="2424114"/>
+              <a:ext cx="0" cy="367040"/>
             </a:xfrm>
             <a:custGeom>
               <a:avLst/>
               <a:pathLst>
-                <a:path w="0" h="366484">
+                <a:path w="0" h="367040">
                   <a:moveTo>
-                    <a:pt x="0" y="366484"/>
+                    <a:pt x="0" y="367040"/>
                   </a:moveTo>
                   <a:lnTo>
                     <a:pt x="0" y="0"/>
@@ -4118,18 +4118,18 @@
           </p:nvSpPr>
           <p:spPr>
             <a:xfrm>
-              <a:off x="5636554" y="3526875"/>
-              <a:ext cx="0" cy="1099452"/>
+              <a:off x="5635150" y="3525236"/>
+              <a:ext cx="0" cy="1101122"/>
             </a:xfrm>
             <a:custGeom>
               <a:avLst/>
               <a:pathLst>
-                <a:path w="0" h="1099452">
+                <a:path w="0" h="1101122">
                   <a:moveTo>
                     <a:pt x="0" y="0"/>
                   </a:moveTo>
                   <a:lnTo>
-                    <a:pt x="0" y="1099452"/>
+                    <a:pt x="0" y="1101122"/>
                   </a:lnTo>
                 </a:path>
               </a:pathLst>
@@ -4158,24 +4158,24 @@
           </p:nvSpPr>
           <p:spPr>
             <a:xfrm>
-              <a:off x="5324323" y="2793906"/>
-              <a:ext cx="624460" cy="732968"/>
+              <a:off x="5322840" y="2791155"/>
+              <a:ext cx="624620" cy="734081"/>
             </a:xfrm>
             <a:custGeom>
               <a:avLst/>
               <a:pathLst>
-                <a:path w="624460" h="732968">
+                <a:path w="624620" h="734081">
                   <a:moveTo>
                     <a:pt x="0" y="0"/>
                   </a:moveTo>
                   <a:lnTo>
-                    <a:pt x="0" y="732968"/>
-                  </a:lnTo>
-                  <a:lnTo>
-                    <a:pt x="624460" y="732968"/>
-                  </a:lnTo>
-                  <a:lnTo>
-                    <a:pt x="624460" y="0"/>
+                    <a:pt x="0" y="734081"/>
+                  </a:lnTo>
+                  <a:lnTo>
+                    <a:pt x="624620" y="734081"/>
+                  </a:lnTo>
+                  <a:lnTo>
+                    <a:pt x="624620" y="0"/>
                   </a:lnTo>
                   <a:close/>
                 </a:path>
@@ -4210,18 +4210,18 @@
           </p:nvSpPr>
           <p:spPr>
             <a:xfrm>
-              <a:off x="5324323" y="3160391"/>
-              <a:ext cx="624460" cy="0"/>
+              <a:off x="5322840" y="3158196"/>
+              <a:ext cx="624620" cy="0"/>
             </a:xfrm>
             <a:custGeom>
               <a:avLst/>
               <a:pathLst>
-                <a:path w="624460" h="0">
+                <a:path w="624620" h="0">
                   <a:moveTo>
                     <a:pt x="0" y="0"/>
                   </a:moveTo>
                   <a:lnTo>
-                    <a:pt x="624460" y="0"/>
+                    <a:pt x="624620" y="0"/>
                   </a:lnTo>
                 </a:path>
               </a:pathLst>
@@ -4250,15 +4250,15 @@
           </p:nvSpPr>
           <p:spPr>
             <a:xfrm>
-              <a:off x="6469168" y="2427422"/>
-              <a:ext cx="0" cy="366484"/>
+              <a:off x="6467978" y="2424114"/>
+              <a:ext cx="0" cy="367040"/>
             </a:xfrm>
             <a:custGeom>
               <a:avLst/>
               <a:pathLst>
-                <a:path w="0" h="366484">
+                <a:path w="0" h="367040">
                   <a:moveTo>
-                    <a:pt x="0" y="366484"/>
+                    <a:pt x="0" y="367040"/>
                   </a:moveTo>
                   <a:lnTo>
                     <a:pt x="0" y="0"/>
@@ -4290,18 +4290,18 @@
           </p:nvSpPr>
           <p:spPr>
             <a:xfrm>
-              <a:off x="6469168" y="3526875"/>
-              <a:ext cx="0" cy="1099452"/>
+              <a:off x="6467978" y="3525236"/>
+              <a:ext cx="0" cy="1101122"/>
             </a:xfrm>
             <a:custGeom>
               <a:avLst/>
               <a:pathLst>
-                <a:path w="0" h="1099452">
+                <a:path w="0" h="1101122">
                   <a:moveTo>
                     <a:pt x="0" y="0"/>
                   </a:moveTo>
                   <a:lnTo>
-                    <a:pt x="0" y="1099452"/>
+                    <a:pt x="0" y="1101122"/>
                   </a:lnTo>
                 </a:path>
               </a:pathLst>
@@ -4330,24 +4330,24 @@
           </p:nvSpPr>
           <p:spPr>
             <a:xfrm>
-              <a:off x="6156938" y="2793906"/>
-              <a:ext cx="624460" cy="732968"/>
+              <a:off x="6155667" y="2791155"/>
+              <a:ext cx="624620" cy="734081"/>
             </a:xfrm>
             <a:custGeom>
               <a:avLst/>
               <a:pathLst>
-                <a:path w="624460" h="732968">
+                <a:path w="624620" h="734081">
                   <a:moveTo>
                     <a:pt x="0" y="0"/>
                   </a:moveTo>
                   <a:lnTo>
-                    <a:pt x="0" y="732968"/>
-                  </a:lnTo>
-                  <a:lnTo>
-                    <a:pt x="624460" y="732968"/>
-                  </a:lnTo>
-                  <a:lnTo>
-                    <a:pt x="624460" y="0"/>
+                    <a:pt x="0" y="734081"/>
+                  </a:lnTo>
+                  <a:lnTo>
+                    <a:pt x="624620" y="734081"/>
+                  </a:lnTo>
+                  <a:lnTo>
+                    <a:pt x="624620" y="0"/>
                   </a:lnTo>
                   <a:close/>
                 </a:path>
@@ -4382,18 +4382,18 @@
           </p:nvSpPr>
           <p:spPr>
             <a:xfrm>
-              <a:off x="6156938" y="3160391"/>
-              <a:ext cx="624460" cy="0"/>
+              <a:off x="6155667" y="3158196"/>
+              <a:ext cx="624620" cy="0"/>
             </a:xfrm>
             <a:custGeom>
               <a:avLst/>
               <a:pathLst>
-                <a:path w="624460" h="0">
+                <a:path w="624620" h="0">
                   <a:moveTo>
                     <a:pt x="0" y="0"/>
                   </a:moveTo>
                   <a:lnTo>
-                    <a:pt x="624460" y="0"/>
+                    <a:pt x="624620" y="0"/>
                   </a:lnTo>
                 </a:path>
               </a:pathLst>
@@ -4422,15 +4422,15 @@
           </p:nvSpPr>
           <p:spPr>
             <a:xfrm>
-              <a:off x="7301783" y="2427422"/>
-              <a:ext cx="0" cy="366484"/>
+              <a:off x="7300805" y="2424114"/>
+              <a:ext cx="0" cy="367040"/>
             </a:xfrm>
             <a:custGeom>
               <a:avLst/>
               <a:pathLst>
-                <a:path w="0" h="366484">
+                <a:path w="0" h="367040">
                   <a:moveTo>
-                    <a:pt x="0" y="366484"/>
+                    <a:pt x="0" y="367040"/>
                   </a:moveTo>
                   <a:lnTo>
                     <a:pt x="0" y="0"/>
@@ -4462,18 +4462,18 @@
           </p:nvSpPr>
           <p:spPr>
             <a:xfrm>
-              <a:off x="7301783" y="3526875"/>
-              <a:ext cx="0" cy="1099452"/>
+              <a:off x="7300805" y="3525236"/>
+              <a:ext cx="0" cy="1101122"/>
             </a:xfrm>
             <a:custGeom>
               <a:avLst/>
               <a:pathLst>
-                <a:path w="0" h="1099452">
+                <a:path w="0" h="1101122">
                   <a:moveTo>
                     <a:pt x="0" y="0"/>
                   </a:moveTo>
                   <a:lnTo>
-                    <a:pt x="0" y="1099452"/>
+                    <a:pt x="0" y="1101122"/>
                   </a:lnTo>
                 </a:path>
               </a:pathLst>
@@ -4502,24 +4502,24 @@
           </p:nvSpPr>
           <p:spPr>
             <a:xfrm>
-              <a:off x="6989553" y="2793906"/>
-              <a:ext cx="624460" cy="732968"/>
+              <a:off x="6988495" y="2791155"/>
+              <a:ext cx="624620" cy="734081"/>
             </a:xfrm>
             <a:custGeom>
               <a:avLst/>
               <a:pathLst>
-                <a:path w="624460" h="732968">
+                <a:path w="624620" h="734081">
                   <a:moveTo>
                     <a:pt x="0" y="0"/>
                   </a:moveTo>
                   <a:lnTo>
-                    <a:pt x="0" y="732968"/>
-                  </a:lnTo>
-                  <a:lnTo>
-                    <a:pt x="624460" y="732968"/>
-                  </a:lnTo>
-                  <a:lnTo>
-                    <a:pt x="624460" y="0"/>
+                    <a:pt x="0" y="734081"/>
+                  </a:lnTo>
+                  <a:lnTo>
+                    <a:pt x="624620" y="734081"/>
+                  </a:lnTo>
+                  <a:lnTo>
+                    <a:pt x="624620" y="0"/>
                   </a:lnTo>
                   <a:close/>
                 </a:path>
@@ -4554,18 +4554,18 @@
           </p:nvSpPr>
           <p:spPr>
             <a:xfrm>
-              <a:off x="6989553" y="3160391"/>
-              <a:ext cx="624460" cy="0"/>
+              <a:off x="6988495" y="3158196"/>
+              <a:ext cx="624620" cy="0"/>
             </a:xfrm>
             <a:custGeom>
               <a:avLst/>
               <a:pathLst>
-                <a:path w="624460" h="0">
+                <a:path w="624620" h="0">
                   <a:moveTo>
                     <a:pt x="0" y="0"/>
                   </a:moveTo>
                   <a:lnTo>
-                    <a:pt x="624460" y="0"/>
+                    <a:pt x="624620" y="0"/>
                   </a:lnTo>
                 </a:path>
               </a:pathLst>
@@ -4594,15 +4594,15 @@
           </p:nvSpPr>
           <p:spPr>
             <a:xfrm>
-              <a:off x="8134398" y="2427422"/>
-              <a:ext cx="0" cy="366484"/>
+              <a:off x="8133632" y="2424114"/>
+              <a:ext cx="0" cy="367040"/>
             </a:xfrm>
             <a:custGeom>
               <a:avLst/>
               <a:pathLst>
-                <a:path w="0" h="366484">
+                <a:path w="0" h="367040">
                   <a:moveTo>
-                    <a:pt x="0" y="366484"/>
+                    <a:pt x="0" y="367040"/>
                   </a:moveTo>
                   <a:lnTo>
                     <a:pt x="0" y="0"/>
@@ -4634,18 +4634,18 @@
           </p:nvSpPr>
           <p:spPr>
             <a:xfrm>
-              <a:off x="8134398" y="3526875"/>
-              <a:ext cx="0" cy="1099452"/>
+              <a:off x="8133632" y="3525236"/>
+              <a:ext cx="0" cy="1101122"/>
             </a:xfrm>
             <a:custGeom>
               <a:avLst/>
               <a:pathLst>
-                <a:path w="0" h="1099452">
+                <a:path w="0" h="1101122">
                   <a:moveTo>
                     <a:pt x="0" y="0"/>
                   </a:moveTo>
                   <a:lnTo>
-                    <a:pt x="0" y="1099452"/>
+                    <a:pt x="0" y="1101122"/>
                   </a:lnTo>
                 </a:path>
               </a:pathLst>
@@ -4674,24 +4674,24 @@
           </p:nvSpPr>
           <p:spPr>
             <a:xfrm>
-              <a:off x="7822167" y="2793906"/>
-              <a:ext cx="624460" cy="732968"/>
+              <a:off x="7821322" y="2791155"/>
+              <a:ext cx="624620" cy="734081"/>
             </a:xfrm>
             <a:custGeom>
               <a:avLst/>
               <a:pathLst>
-                <a:path w="624460" h="732968">
+                <a:path w="624620" h="734081">
                   <a:moveTo>
                     <a:pt x="0" y="0"/>
                   </a:moveTo>
                   <a:lnTo>
-                    <a:pt x="0" y="732968"/>
-                  </a:lnTo>
-                  <a:lnTo>
-                    <a:pt x="624460" y="732968"/>
-                  </a:lnTo>
-                  <a:lnTo>
-                    <a:pt x="624460" y="0"/>
+                    <a:pt x="0" y="734081"/>
+                  </a:lnTo>
+                  <a:lnTo>
+                    <a:pt x="624620" y="734081"/>
+                  </a:lnTo>
+                  <a:lnTo>
+                    <a:pt x="624620" y="0"/>
                   </a:lnTo>
                   <a:close/>
                 </a:path>
@@ -4726,18 +4726,18 @@
           </p:nvSpPr>
           <p:spPr>
             <a:xfrm>
-              <a:off x="7822167" y="3160391"/>
-              <a:ext cx="624460" cy="0"/>
+              <a:off x="7821322" y="3158196"/>
+              <a:ext cx="624620" cy="0"/>
             </a:xfrm>
             <a:custGeom>
               <a:avLst/>
               <a:pathLst>
-                <a:path w="624460" h="0">
+                <a:path w="624620" h="0">
                   <a:moveTo>
                     <a:pt x="0" y="0"/>
                   </a:moveTo>
                   <a:lnTo>
-                    <a:pt x="624460" y="0"/>
+                    <a:pt x="624620" y="0"/>
                   </a:lnTo>
                 </a:path>
               </a:pathLst>
@@ -4766,15 +4766,15 @@
           </p:nvSpPr>
           <p:spPr>
             <a:xfrm>
-              <a:off x="8967012" y="2427422"/>
-              <a:ext cx="0" cy="366484"/>
+              <a:off x="8966460" y="2424114"/>
+              <a:ext cx="0" cy="367040"/>
             </a:xfrm>
             <a:custGeom>
               <a:avLst/>
               <a:pathLst>
-                <a:path w="0" h="366484">
+                <a:path w="0" h="367040">
                   <a:moveTo>
-                    <a:pt x="0" y="366484"/>
+                    <a:pt x="0" y="367040"/>
                   </a:moveTo>
                   <a:lnTo>
                     <a:pt x="0" y="0"/>
@@ -4806,18 +4806,18 @@
           </p:nvSpPr>
           <p:spPr>
             <a:xfrm>
-              <a:off x="8967012" y="3526875"/>
-              <a:ext cx="0" cy="1099452"/>
+              <a:off x="8966460" y="3525236"/>
+              <a:ext cx="0" cy="1101122"/>
             </a:xfrm>
             <a:custGeom>
               <a:avLst/>
               <a:pathLst>
-                <a:path w="0" h="1099452">
+                <a:path w="0" h="1101122">
                   <a:moveTo>
                     <a:pt x="0" y="0"/>
                   </a:moveTo>
                   <a:lnTo>
-                    <a:pt x="0" y="1099452"/>
+                    <a:pt x="0" y="1101122"/>
                   </a:lnTo>
                 </a:path>
               </a:pathLst>
@@ -4846,24 +4846,24 @@
           </p:nvSpPr>
           <p:spPr>
             <a:xfrm>
-              <a:off x="8654782" y="2793906"/>
-              <a:ext cx="624460" cy="732968"/>
+              <a:off x="8654149" y="2791155"/>
+              <a:ext cx="624620" cy="734081"/>
             </a:xfrm>
             <a:custGeom>
               <a:avLst/>
               <a:pathLst>
-                <a:path w="624460" h="732968">
+                <a:path w="624620" h="734081">
                   <a:moveTo>
                     <a:pt x="0" y="0"/>
                   </a:moveTo>
                   <a:lnTo>
-                    <a:pt x="0" y="732968"/>
-                  </a:lnTo>
-                  <a:lnTo>
-                    <a:pt x="624460" y="732968"/>
-                  </a:lnTo>
-                  <a:lnTo>
-                    <a:pt x="624460" y="0"/>
+                    <a:pt x="0" y="734081"/>
+                  </a:lnTo>
+                  <a:lnTo>
+                    <a:pt x="624620" y="734081"/>
+                  </a:lnTo>
+                  <a:lnTo>
+                    <a:pt x="624620" y="0"/>
                   </a:lnTo>
                   <a:close/>
                 </a:path>
@@ -4898,18 +4898,18 @@
           </p:nvSpPr>
           <p:spPr>
             <a:xfrm>
-              <a:off x="8654782" y="3160391"/>
-              <a:ext cx="624460" cy="0"/>
+              <a:off x="8654149" y="3158196"/>
+              <a:ext cx="624620" cy="0"/>
             </a:xfrm>
             <a:custGeom>
               <a:avLst/>
               <a:pathLst>
-                <a:path w="624460" h="0">
+                <a:path w="624620" h="0">
                   <a:moveTo>
                     <a:pt x="0" y="0"/>
                   </a:moveTo>
                   <a:lnTo>
-                    <a:pt x="624460" y="0"/>
+                    <a:pt x="624620" y="0"/>
                   </a:lnTo>
                 </a:path>
               </a:pathLst>
@@ -4938,15 +4938,15 @@
           </p:nvSpPr>
           <p:spPr>
             <a:xfrm>
-              <a:off x="9799627" y="2427422"/>
-              <a:ext cx="0" cy="366484"/>
+              <a:off x="9799287" y="2424114"/>
+              <a:ext cx="0" cy="367040"/>
             </a:xfrm>
             <a:custGeom>
               <a:avLst/>
               <a:pathLst>
-                <a:path w="0" h="366484">
+                <a:path w="0" h="367040">
                   <a:moveTo>
-                    <a:pt x="0" y="366484"/>
+                    <a:pt x="0" y="367040"/>
                   </a:moveTo>
                   <a:lnTo>
                     <a:pt x="0" y="0"/>
@@ -4978,18 +4978,18 @@
           </p:nvSpPr>
           <p:spPr>
             <a:xfrm>
-              <a:off x="9799627" y="3526875"/>
-              <a:ext cx="0" cy="1099452"/>
+              <a:off x="9799287" y="3525236"/>
+              <a:ext cx="0" cy="1101122"/>
             </a:xfrm>
             <a:custGeom>
               <a:avLst/>
               <a:pathLst>
-                <a:path w="0" h="1099452">
+                <a:path w="0" h="1101122">
                   <a:moveTo>
                     <a:pt x="0" y="0"/>
                   </a:moveTo>
                   <a:lnTo>
-                    <a:pt x="0" y="1099452"/>
+                    <a:pt x="0" y="1101122"/>
                   </a:lnTo>
                 </a:path>
               </a:pathLst>
@@ -5018,24 +5018,24 @@
           </p:nvSpPr>
           <p:spPr>
             <a:xfrm>
-              <a:off x="9487397" y="2793906"/>
-              <a:ext cx="624460" cy="732968"/>
+              <a:off x="9486977" y="2791155"/>
+              <a:ext cx="624620" cy="734081"/>
             </a:xfrm>
             <a:custGeom>
               <a:avLst/>
               <a:pathLst>
-                <a:path w="624460" h="732968">
+                <a:path w="624620" h="734081">
                   <a:moveTo>
                     <a:pt x="0" y="0"/>
                   </a:moveTo>
                   <a:lnTo>
-                    <a:pt x="0" y="732968"/>
-                  </a:lnTo>
-                  <a:lnTo>
-                    <a:pt x="624460" y="732968"/>
-                  </a:lnTo>
-                  <a:lnTo>
-                    <a:pt x="624460" y="0"/>
+                    <a:pt x="0" y="734081"/>
+                  </a:lnTo>
+                  <a:lnTo>
+                    <a:pt x="624620" y="734081"/>
+                  </a:lnTo>
+                  <a:lnTo>
+                    <a:pt x="624620" y="0"/>
                   </a:lnTo>
                   <a:close/>
                 </a:path>
@@ -5070,18 +5070,18 @@
           </p:nvSpPr>
           <p:spPr>
             <a:xfrm>
-              <a:off x="9487397" y="3160391"/>
-              <a:ext cx="624460" cy="0"/>
+              <a:off x="9486977" y="3158196"/>
+              <a:ext cx="624620" cy="0"/>
             </a:xfrm>
             <a:custGeom>
               <a:avLst/>
               <a:pathLst>
-                <a:path w="624460" h="0">
+                <a:path w="624620" h="0">
                   <a:moveTo>
                     <a:pt x="0" y="0"/>
                   </a:moveTo>
                   <a:lnTo>
-                    <a:pt x="624460" y="0"/>
+                    <a:pt x="624620" y="0"/>
                   </a:lnTo>
                 </a:path>
               </a:pathLst>
@@ -5110,15 +5110,15 @@
           </p:nvSpPr>
           <p:spPr>
             <a:xfrm>
-              <a:off x="10632242" y="2427422"/>
-              <a:ext cx="0" cy="549726"/>
+              <a:off x="10632114" y="2424114"/>
+              <a:ext cx="0" cy="550561"/>
             </a:xfrm>
             <a:custGeom>
               <a:avLst/>
               <a:pathLst>
-                <a:path w="0" h="549726">
+                <a:path w="0" h="550561">
                   <a:moveTo>
-                    <a:pt x="0" y="549726"/>
+                    <a:pt x="0" y="550561"/>
                   </a:moveTo>
                   <a:lnTo>
                     <a:pt x="0" y="0"/>
@@ -5150,18 +5150,18 @@
           </p:nvSpPr>
           <p:spPr>
             <a:xfrm>
-              <a:off x="10632242" y="3526875"/>
-              <a:ext cx="0" cy="366484"/>
+              <a:off x="10632114" y="3525236"/>
+              <a:ext cx="0" cy="367040"/>
             </a:xfrm>
             <a:custGeom>
               <a:avLst/>
               <a:pathLst>
-                <a:path w="0" h="366484">
+                <a:path w="0" h="367040">
                   <a:moveTo>
                     <a:pt x="0" y="0"/>
                   </a:moveTo>
                   <a:lnTo>
-                    <a:pt x="0" y="366484"/>
+                    <a:pt x="0" y="367040"/>
                   </a:lnTo>
                 </a:path>
               </a:pathLst>
@@ -5190,24 +5190,24 @@
           </p:nvSpPr>
           <p:spPr>
             <a:xfrm>
-              <a:off x="10320011" y="2977148"/>
-              <a:ext cx="624460" cy="549726"/>
+              <a:off x="10319804" y="2974675"/>
+              <a:ext cx="624620" cy="550561"/>
             </a:xfrm>
             <a:custGeom>
               <a:avLst/>
               <a:pathLst>
-                <a:path w="624460" h="549726">
+                <a:path w="624620" h="550561">
                   <a:moveTo>
                     <a:pt x="0" y="0"/>
                   </a:moveTo>
                   <a:lnTo>
-                    <a:pt x="0" y="549726"/>
-                  </a:lnTo>
-                  <a:lnTo>
-                    <a:pt x="624460" y="549726"/>
-                  </a:lnTo>
-                  <a:lnTo>
-                    <a:pt x="624460" y="0"/>
+                    <a:pt x="0" y="550561"/>
+                  </a:lnTo>
+                  <a:lnTo>
+                    <a:pt x="624620" y="550561"/>
+                  </a:lnTo>
+                  <a:lnTo>
+                    <a:pt x="624620" y="0"/>
                   </a:lnTo>
                   <a:close/>
                 </a:path>
@@ -5242,18 +5242,18 @@
           </p:nvSpPr>
           <p:spPr>
             <a:xfrm>
-              <a:off x="10320011" y="3160391"/>
-              <a:ext cx="624460" cy="0"/>
+              <a:off x="10319804" y="3158196"/>
+              <a:ext cx="624620" cy="0"/>
             </a:xfrm>
             <a:custGeom>
               <a:avLst/>
               <a:pathLst>
-                <a:path w="624460" h="0">
+                <a:path w="624620" h="0">
                   <a:moveTo>
                     <a:pt x="0" y="0"/>
                   </a:moveTo>
                   <a:lnTo>
-                    <a:pt x="624460" y="0"/>
+                    <a:pt x="624620" y="0"/>
                   </a:lnTo>
                 </a:path>
               </a:pathLst>
@@ -5282,7 +5282,7 @@
           </p:nvSpPr>
           <p:spPr>
             <a:xfrm>
-              <a:off x="4697075" y="2330963"/>
+              <a:off x="4695459" y="2327656"/>
               <a:ext cx="50111" cy="49221"/>
             </a:xfrm>
             <a:custGeom>
@@ -5358,7 +5358,7 @@
           </p:nvSpPr>
           <p:spPr>
             <a:xfrm>
-              <a:off x="4751637" y="2330963"/>
+              <a:off x="4750021" y="2327656"/>
               <a:ext cx="50111" cy="49221"/>
             </a:xfrm>
             <a:custGeom>
@@ -5434,7 +5434,7 @@
           </p:nvSpPr>
           <p:spPr>
             <a:xfrm>
-              <a:off x="4806198" y="2330963"/>
+              <a:off x="4804582" y="2327656"/>
               <a:ext cx="50111" cy="49221"/>
             </a:xfrm>
             <a:custGeom>
@@ -5510,7 +5510,7 @@
           </p:nvSpPr>
           <p:spPr>
             <a:xfrm>
-              <a:off x="4860760" y="2330963"/>
+              <a:off x="4859144" y="2327656"/>
               <a:ext cx="50111" cy="49221"/>
             </a:xfrm>
             <a:custGeom>
@@ -5586,7 +5586,7 @@
           </p:nvSpPr>
           <p:spPr>
             <a:xfrm>
-              <a:off x="5584251" y="2330963"/>
+              <a:off x="5582848" y="2327656"/>
               <a:ext cx="50111" cy="49221"/>
             </a:xfrm>
             <a:custGeom>
@@ -5662,7 +5662,7 @@
           </p:nvSpPr>
           <p:spPr>
             <a:xfrm>
-              <a:off x="5638813" y="2330963"/>
+              <a:off x="5637410" y="2327656"/>
               <a:ext cx="50111" cy="49221"/>
             </a:xfrm>
             <a:custGeom>
@@ -5738,7 +5738,7 @@
           </p:nvSpPr>
           <p:spPr>
             <a:xfrm>
-              <a:off x="9774605" y="2330963"/>
+              <a:off x="9774265" y="2327656"/>
               <a:ext cx="50111" cy="49221"/>
             </a:xfrm>
             <a:custGeom>
@@ -5814,21 +5814,21 @@
           </p:nvSpPr>
           <p:spPr>
             <a:xfrm>
-              <a:off x="4304370" y="3160391"/>
-              <a:ext cx="6827440" cy="0"/>
+              <a:off x="4302627" y="3158196"/>
+              <a:ext cx="6829183" cy="0"/>
             </a:xfrm>
             <a:custGeom>
               <a:avLst/>
               <a:pathLst>
-                <a:path w="6827440" h="0">
+                <a:path w="6829183" h="0">
                   <a:moveTo>
                     <a:pt x="0" y="0"/>
                   </a:moveTo>
                   <a:lnTo>
-                    <a:pt x="6827440" y="0"/>
-                  </a:lnTo>
-                  <a:lnTo>
-                    <a:pt x="6827440" y="0"/>
+                    <a:pt x="6829183" y="0"/>
+                  </a:lnTo>
+                  <a:lnTo>
+                    <a:pt x="6829183" y="0"/>
                   </a:lnTo>
                 </a:path>
               </a:pathLst>
@@ -5857,8 +5857,8 @@
           </p:nvSpPr>
           <p:spPr>
             <a:xfrm>
-              <a:off x="4304370" y="2170883"/>
-              <a:ext cx="6827440" cy="3078467"/>
+              <a:off x="4302627" y="2167186"/>
+              <a:ext cx="6829183" cy="3083141"/>
             </a:xfrm>
             <a:prstGeom prst="rect">
               <a:avLst/>
@@ -5887,8 +5887,8 @@
           </p:nvSpPr>
           <p:spPr>
             <a:xfrm>
-              <a:off x="4304370" y="5532318"/>
-              <a:ext cx="6827440" cy="3078467"/>
+              <a:off x="4302627" y="5531341"/>
+              <a:ext cx="6829183" cy="3083141"/>
             </a:xfrm>
             <a:prstGeom prst="rect">
               <a:avLst/>
@@ -5913,21 +5913,21 @@
           </p:nvSpPr>
           <p:spPr>
             <a:xfrm>
-              <a:off x="4304370" y="8354247"/>
-              <a:ext cx="6827440" cy="0"/>
+              <a:off x="4302627" y="8357554"/>
+              <a:ext cx="6829183" cy="0"/>
             </a:xfrm>
             <a:custGeom>
               <a:avLst/>
               <a:pathLst>
-                <a:path w="6827440" h="0">
+                <a:path w="6829183" h="0">
                   <a:moveTo>
                     <a:pt x="0" y="0"/>
                   </a:moveTo>
                   <a:lnTo>
-                    <a:pt x="6827440" y="0"/>
-                  </a:lnTo>
-                  <a:lnTo>
-                    <a:pt x="6827440" y="0"/>
+                    <a:pt x="6829183" y="0"/>
+                  </a:lnTo>
+                  <a:lnTo>
+                    <a:pt x="6829183" y="0"/>
                   </a:lnTo>
                 </a:path>
               </a:pathLst>
@@ -5956,21 +5956,21 @@
           </p:nvSpPr>
           <p:spPr>
             <a:xfrm>
-              <a:off x="4304370" y="7621278"/>
-              <a:ext cx="6827440" cy="0"/>
+              <a:off x="4302627" y="7623473"/>
+              <a:ext cx="6829183" cy="0"/>
             </a:xfrm>
             <a:custGeom>
               <a:avLst/>
               <a:pathLst>
-                <a:path w="6827440" h="0">
+                <a:path w="6829183" h="0">
                   <a:moveTo>
                     <a:pt x="0" y="0"/>
                   </a:moveTo>
                   <a:lnTo>
-                    <a:pt x="6827440" y="0"/>
-                  </a:lnTo>
-                  <a:lnTo>
-                    <a:pt x="6827440" y="0"/>
+                    <a:pt x="6829183" y="0"/>
+                  </a:lnTo>
+                  <a:lnTo>
+                    <a:pt x="6829183" y="0"/>
                   </a:lnTo>
                 </a:path>
               </a:pathLst>
@@ -5999,21 +5999,21 @@
           </p:nvSpPr>
           <p:spPr>
             <a:xfrm>
-              <a:off x="4304370" y="6888310"/>
-              <a:ext cx="6827440" cy="0"/>
+              <a:off x="4302627" y="6889392"/>
+              <a:ext cx="6829183" cy="0"/>
             </a:xfrm>
             <a:custGeom>
               <a:avLst/>
               <a:pathLst>
-                <a:path w="6827440" h="0">
+                <a:path w="6829183" h="0">
                   <a:moveTo>
                     <a:pt x="0" y="0"/>
                   </a:moveTo>
                   <a:lnTo>
-                    <a:pt x="6827440" y="0"/>
-                  </a:lnTo>
-                  <a:lnTo>
-                    <a:pt x="6827440" y="0"/>
+                    <a:pt x="6829183" y="0"/>
+                  </a:lnTo>
+                  <a:lnTo>
+                    <a:pt x="6829183" y="0"/>
                   </a:lnTo>
                 </a:path>
               </a:pathLst>
@@ -6042,21 +6042,21 @@
           </p:nvSpPr>
           <p:spPr>
             <a:xfrm>
-              <a:off x="4304370" y="6155341"/>
-              <a:ext cx="6827440" cy="0"/>
+              <a:off x="4302627" y="6155310"/>
+              <a:ext cx="6829183" cy="0"/>
             </a:xfrm>
             <a:custGeom>
               <a:avLst/>
               <a:pathLst>
-                <a:path w="6827440" h="0">
+                <a:path w="6829183" h="0">
                   <a:moveTo>
                     <a:pt x="0" y="0"/>
                   </a:moveTo>
                   <a:lnTo>
-                    <a:pt x="6827440" y="0"/>
-                  </a:lnTo>
-                  <a:lnTo>
-                    <a:pt x="6827440" y="0"/>
+                    <a:pt x="6829183" y="0"/>
+                  </a:lnTo>
+                  <a:lnTo>
+                    <a:pt x="6829183" y="0"/>
                   </a:lnTo>
                 </a:path>
               </a:pathLst>
@@ -6085,21 +6085,21 @@
           </p:nvSpPr>
           <p:spPr>
             <a:xfrm>
-              <a:off x="4304370" y="7987763"/>
-              <a:ext cx="6827440" cy="0"/>
+              <a:off x="4302627" y="7990514"/>
+              <a:ext cx="6829183" cy="0"/>
             </a:xfrm>
             <a:custGeom>
               <a:avLst/>
               <a:pathLst>
-                <a:path w="6827440" h="0">
+                <a:path w="6829183" h="0">
                   <a:moveTo>
                     <a:pt x="0" y="0"/>
                   </a:moveTo>
                   <a:lnTo>
-                    <a:pt x="6827440" y="0"/>
-                  </a:lnTo>
-                  <a:lnTo>
-                    <a:pt x="6827440" y="0"/>
+                    <a:pt x="6829183" y="0"/>
+                  </a:lnTo>
+                  <a:lnTo>
+                    <a:pt x="6829183" y="0"/>
                   </a:lnTo>
                 </a:path>
               </a:pathLst>
@@ -6128,21 +6128,21 @@
           </p:nvSpPr>
           <p:spPr>
             <a:xfrm>
-              <a:off x="4304370" y="7254794"/>
-              <a:ext cx="6827440" cy="0"/>
+              <a:off x="4302627" y="7256432"/>
+              <a:ext cx="6829183" cy="0"/>
             </a:xfrm>
             <a:custGeom>
               <a:avLst/>
               <a:pathLst>
-                <a:path w="6827440" h="0">
+                <a:path w="6829183" h="0">
                   <a:moveTo>
                     <a:pt x="0" y="0"/>
                   </a:moveTo>
                   <a:lnTo>
-                    <a:pt x="6827440" y="0"/>
-                  </a:lnTo>
-                  <a:lnTo>
-                    <a:pt x="6827440" y="0"/>
+                    <a:pt x="6829183" y="0"/>
+                  </a:lnTo>
+                  <a:lnTo>
+                    <a:pt x="6829183" y="0"/>
                   </a:lnTo>
                 </a:path>
               </a:pathLst>
@@ -6171,21 +6171,21 @@
           </p:nvSpPr>
           <p:spPr>
             <a:xfrm>
-              <a:off x="4304370" y="6521825"/>
-              <a:ext cx="6827440" cy="0"/>
+              <a:off x="4302627" y="6522351"/>
+              <a:ext cx="6829183" cy="0"/>
             </a:xfrm>
             <a:custGeom>
               <a:avLst/>
               <a:pathLst>
-                <a:path w="6827440" h="0">
+                <a:path w="6829183" h="0">
                   <a:moveTo>
                     <a:pt x="0" y="0"/>
                   </a:moveTo>
                   <a:lnTo>
-                    <a:pt x="6827440" y="0"/>
-                  </a:lnTo>
-                  <a:lnTo>
-                    <a:pt x="6827440" y="0"/>
+                    <a:pt x="6829183" y="0"/>
+                  </a:lnTo>
+                  <a:lnTo>
+                    <a:pt x="6829183" y="0"/>
                   </a:lnTo>
                 </a:path>
               </a:pathLst>
@@ -6214,21 +6214,21 @@
           </p:nvSpPr>
           <p:spPr>
             <a:xfrm>
-              <a:off x="4304370" y="5788857"/>
-              <a:ext cx="6827440" cy="0"/>
+              <a:off x="4302627" y="5788270"/>
+              <a:ext cx="6829183" cy="0"/>
             </a:xfrm>
             <a:custGeom>
               <a:avLst/>
               <a:pathLst>
-                <a:path w="6827440" h="0">
+                <a:path w="6829183" h="0">
                   <a:moveTo>
                     <a:pt x="0" y="0"/>
                   </a:moveTo>
                   <a:lnTo>
-                    <a:pt x="6827440" y="0"/>
-                  </a:lnTo>
-                  <a:lnTo>
-                    <a:pt x="6827440" y="0"/>
+                    <a:pt x="6829183" y="0"/>
+                  </a:lnTo>
+                  <a:lnTo>
+                    <a:pt x="6829183" y="0"/>
                   </a:lnTo>
                 </a:path>
               </a:pathLst>
@@ -6257,15 +6257,15 @@
           </p:nvSpPr>
           <p:spPr>
             <a:xfrm>
-              <a:off x="4803939" y="5532318"/>
-              <a:ext cx="0" cy="3078467"/>
+              <a:off x="4802323" y="5531341"/>
+              <a:ext cx="0" cy="3083141"/>
             </a:xfrm>
             <a:custGeom>
               <a:avLst/>
               <a:pathLst>
-                <a:path w="0" h="3078467">
+                <a:path w="0" h="3083141">
                   <a:moveTo>
-                    <a:pt x="0" y="3078467"/>
+                    <a:pt x="0" y="3083141"/>
                   </a:moveTo>
                   <a:lnTo>
                     <a:pt x="0" y="0"/>
@@ -6300,15 +6300,15 @@
           </p:nvSpPr>
           <p:spPr>
             <a:xfrm>
-              <a:off x="5636554" y="5532318"/>
-              <a:ext cx="0" cy="3078467"/>
+              <a:off x="5635150" y="5531341"/>
+              <a:ext cx="0" cy="3083141"/>
             </a:xfrm>
             <a:custGeom>
               <a:avLst/>
               <a:pathLst>
-                <a:path w="0" h="3078467">
+                <a:path w="0" h="3083141">
                   <a:moveTo>
-                    <a:pt x="0" y="3078467"/>
+                    <a:pt x="0" y="3083141"/>
                   </a:moveTo>
                   <a:lnTo>
                     <a:pt x="0" y="0"/>
@@ -6343,15 +6343,15 @@
           </p:nvSpPr>
           <p:spPr>
             <a:xfrm>
-              <a:off x="6469168" y="5532318"/>
-              <a:ext cx="0" cy="3078467"/>
+              <a:off x="6467978" y="5531341"/>
+              <a:ext cx="0" cy="3083141"/>
             </a:xfrm>
             <a:custGeom>
               <a:avLst/>
               <a:pathLst>
-                <a:path w="0" h="3078467">
+                <a:path w="0" h="3083141">
                   <a:moveTo>
-                    <a:pt x="0" y="3078467"/>
+                    <a:pt x="0" y="3083141"/>
                   </a:moveTo>
                   <a:lnTo>
                     <a:pt x="0" y="0"/>
@@ -6386,15 +6386,15 @@
           </p:nvSpPr>
           <p:spPr>
             <a:xfrm>
-              <a:off x="7301783" y="5532318"/>
-              <a:ext cx="0" cy="3078467"/>
+              <a:off x="7300805" y="5531341"/>
+              <a:ext cx="0" cy="3083141"/>
             </a:xfrm>
             <a:custGeom>
               <a:avLst/>
               <a:pathLst>
-                <a:path w="0" h="3078467">
+                <a:path w="0" h="3083141">
                   <a:moveTo>
-                    <a:pt x="0" y="3078467"/>
+                    <a:pt x="0" y="3083141"/>
                   </a:moveTo>
                   <a:lnTo>
                     <a:pt x="0" y="0"/>
@@ -6429,15 +6429,15 @@
           </p:nvSpPr>
           <p:spPr>
             <a:xfrm>
-              <a:off x="8134398" y="5532318"/>
-              <a:ext cx="0" cy="3078467"/>
+              <a:off x="8133632" y="5531341"/>
+              <a:ext cx="0" cy="3083141"/>
             </a:xfrm>
             <a:custGeom>
               <a:avLst/>
               <a:pathLst>
-                <a:path w="0" h="3078467">
+                <a:path w="0" h="3083141">
                   <a:moveTo>
-                    <a:pt x="0" y="3078467"/>
+                    <a:pt x="0" y="3083141"/>
                   </a:moveTo>
                   <a:lnTo>
                     <a:pt x="0" y="0"/>
@@ -6472,15 +6472,15 @@
           </p:nvSpPr>
           <p:spPr>
             <a:xfrm>
-              <a:off x="8967012" y="5532318"/>
-              <a:ext cx="0" cy="3078467"/>
+              <a:off x="8966460" y="5531341"/>
+              <a:ext cx="0" cy="3083141"/>
             </a:xfrm>
             <a:custGeom>
               <a:avLst/>
               <a:pathLst>
-                <a:path w="0" h="3078467">
+                <a:path w="0" h="3083141">
                   <a:moveTo>
-                    <a:pt x="0" y="3078467"/>
+                    <a:pt x="0" y="3083141"/>
                   </a:moveTo>
                   <a:lnTo>
                     <a:pt x="0" y="0"/>
@@ -6515,15 +6515,15 @@
           </p:nvSpPr>
           <p:spPr>
             <a:xfrm>
-              <a:off x="9799627" y="5532318"/>
-              <a:ext cx="0" cy="3078467"/>
+              <a:off x="9799287" y="5531341"/>
+              <a:ext cx="0" cy="3083141"/>
             </a:xfrm>
             <a:custGeom>
               <a:avLst/>
               <a:pathLst>
-                <a:path w="0" h="3078467">
+                <a:path w="0" h="3083141">
                   <a:moveTo>
-                    <a:pt x="0" y="3078467"/>
+                    <a:pt x="0" y="3083141"/>
                   </a:moveTo>
                   <a:lnTo>
                     <a:pt x="0" y="0"/>
@@ -6558,15 +6558,15 @@
           </p:nvSpPr>
           <p:spPr>
             <a:xfrm>
-              <a:off x="10632242" y="5532318"/>
-              <a:ext cx="0" cy="3078467"/>
+              <a:off x="10632114" y="5531341"/>
+              <a:ext cx="0" cy="3083141"/>
             </a:xfrm>
             <a:custGeom>
               <a:avLst/>
               <a:pathLst>
-                <a:path w="0" h="3078467">
+                <a:path w="0" h="3083141">
                   <a:moveTo>
-                    <a:pt x="0" y="3078467"/>
+                    <a:pt x="0" y="3083141"/>
                   </a:moveTo>
                   <a:lnTo>
                     <a:pt x="0" y="0"/>
@@ -6601,15 +6601,15 @@
           </p:nvSpPr>
           <p:spPr>
             <a:xfrm>
-              <a:off x="4803939" y="5788857"/>
-              <a:ext cx="0" cy="366484"/>
+              <a:off x="4802323" y="5788270"/>
+              <a:ext cx="0" cy="367040"/>
             </a:xfrm>
             <a:custGeom>
               <a:avLst/>
               <a:pathLst>
-                <a:path w="0" h="366484">
+                <a:path w="0" h="367040">
                   <a:moveTo>
-                    <a:pt x="0" y="366484"/>
+                    <a:pt x="0" y="367040"/>
                   </a:moveTo>
                   <a:lnTo>
                     <a:pt x="0" y="0"/>
@@ -6641,18 +6641,18 @@
           </p:nvSpPr>
           <p:spPr>
             <a:xfrm>
-              <a:off x="4803939" y="6521825"/>
-              <a:ext cx="0" cy="366484"/>
+              <a:off x="4802323" y="6522351"/>
+              <a:ext cx="0" cy="367040"/>
             </a:xfrm>
             <a:custGeom>
               <a:avLst/>
               <a:pathLst>
-                <a:path w="0" h="366484">
+                <a:path w="0" h="367040">
                   <a:moveTo>
                     <a:pt x="0" y="0"/>
                   </a:moveTo>
                   <a:lnTo>
-                    <a:pt x="0" y="366484"/>
+                    <a:pt x="0" y="367040"/>
                   </a:lnTo>
                 </a:path>
               </a:pathLst>
@@ -6681,24 +6681,24 @@
           </p:nvSpPr>
           <p:spPr>
             <a:xfrm>
-              <a:off x="4491709" y="6155341"/>
-              <a:ext cx="624460" cy="366484"/>
+              <a:off x="4490013" y="6155310"/>
+              <a:ext cx="624620" cy="367040"/>
             </a:xfrm>
             <a:custGeom>
               <a:avLst/>
               <a:pathLst>
-                <a:path w="624460" h="366484">
+                <a:path w="624620" h="367040">
                   <a:moveTo>
                     <a:pt x="0" y="0"/>
                   </a:moveTo>
                   <a:lnTo>
-                    <a:pt x="0" y="366484"/>
-                  </a:lnTo>
-                  <a:lnTo>
-                    <a:pt x="624460" y="366484"/>
-                  </a:lnTo>
-                  <a:lnTo>
-                    <a:pt x="624460" y="0"/>
+                    <a:pt x="0" y="367040"/>
+                  </a:lnTo>
+                  <a:lnTo>
+                    <a:pt x="624620" y="367040"/>
+                  </a:lnTo>
+                  <a:lnTo>
+                    <a:pt x="624620" y="0"/>
                   </a:lnTo>
                   <a:close/>
                 </a:path>
@@ -6733,18 +6733,18 @@
           </p:nvSpPr>
           <p:spPr>
             <a:xfrm>
-              <a:off x="4491709" y="6521825"/>
-              <a:ext cx="624460" cy="0"/>
+              <a:off x="4490013" y="6522351"/>
+              <a:ext cx="624620" cy="0"/>
             </a:xfrm>
             <a:custGeom>
               <a:avLst/>
               <a:pathLst>
-                <a:path w="624460" h="0">
+                <a:path w="624620" h="0">
                   <a:moveTo>
                     <a:pt x="0" y="0"/>
                   </a:moveTo>
                   <a:lnTo>
-                    <a:pt x="624460" y="0"/>
+                    <a:pt x="624620" y="0"/>
                   </a:lnTo>
                 </a:path>
               </a:pathLst>
@@ -6773,15 +6773,15 @@
           </p:nvSpPr>
           <p:spPr>
             <a:xfrm>
-              <a:off x="5636554" y="5788857"/>
-              <a:ext cx="0" cy="366484"/>
+              <a:off x="5635150" y="5788270"/>
+              <a:ext cx="0" cy="367040"/>
             </a:xfrm>
             <a:custGeom>
               <a:avLst/>
               <a:pathLst>
-                <a:path w="0" h="366484">
+                <a:path w="0" h="367040">
                   <a:moveTo>
-                    <a:pt x="0" y="366484"/>
+                    <a:pt x="0" y="367040"/>
                   </a:moveTo>
                   <a:lnTo>
                     <a:pt x="0" y="0"/>
@@ -6813,18 +6813,18 @@
           </p:nvSpPr>
           <p:spPr>
             <a:xfrm>
-              <a:off x="5636554" y="6888310"/>
-              <a:ext cx="0" cy="1099452"/>
+              <a:off x="5635150" y="6889392"/>
+              <a:ext cx="0" cy="1101122"/>
             </a:xfrm>
             <a:custGeom>
               <a:avLst/>
               <a:pathLst>
-                <a:path w="0" h="1099452">
+                <a:path w="0" h="1101122">
                   <a:moveTo>
                     <a:pt x="0" y="0"/>
                   </a:moveTo>
                   <a:lnTo>
-                    <a:pt x="0" y="1099452"/>
+                    <a:pt x="0" y="1101122"/>
                   </a:lnTo>
                 </a:path>
               </a:pathLst>
@@ -6853,24 +6853,24 @@
           </p:nvSpPr>
           <p:spPr>
             <a:xfrm>
-              <a:off x="5324323" y="6155341"/>
-              <a:ext cx="624460" cy="732968"/>
+              <a:off x="5322840" y="6155310"/>
+              <a:ext cx="624620" cy="734081"/>
             </a:xfrm>
             <a:custGeom>
               <a:avLst/>
               <a:pathLst>
-                <a:path w="624460" h="732968">
+                <a:path w="624620" h="734081">
                   <a:moveTo>
                     <a:pt x="0" y="0"/>
                   </a:moveTo>
                   <a:lnTo>
-                    <a:pt x="0" y="732968"/>
-                  </a:lnTo>
-                  <a:lnTo>
-                    <a:pt x="624460" y="732968"/>
-                  </a:lnTo>
-                  <a:lnTo>
-                    <a:pt x="624460" y="0"/>
+                    <a:pt x="0" y="734081"/>
+                  </a:lnTo>
+                  <a:lnTo>
+                    <a:pt x="624620" y="734081"/>
+                  </a:lnTo>
+                  <a:lnTo>
+                    <a:pt x="624620" y="0"/>
                   </a:lnTo>
                   <a:close/>
                 </a:path>
@@ -6905,18 +6905,18 @@
           </p:nvSpPr>
           <p:spPr>
             <a:xfrm>
-              <a:off x="5324323" y="6521825"/>
-              <a:ext cx="624460" cy="0"/>
+              <a:off x="5322840" y="6522351"/>
+              <a:ext cx="624620" cy="0"/>
             </a:xfrm>
             <a:custGeom>
               <a:avLst/>
               <a:pathLst>
-                <a:path w="624460" h="0">
+                <a:path w="624620" h="0">
                   <a:moveTo>
                     <a:pt x="0" y="0"/>
                   </a:moveTo>
                   <a:lnTo>
-                    <a:pt x="624460" y="0"/>
+                    <a:pt x="624620" y="0"/>
                   </a:lnTo>
                 </a:path>
               </a:pathLst>
@@ -6945,15 +6945,15 @@
           </p:nvSpPr>
           <p:spPr>
             <a:xfrm>
-              <a:off x="6469168" y="5788857"/>
-              <a:ext cx="0" cy="366484"/>
+              <a:off x="6467978" y="5788270"/>
+              <a:ext cx="0" cy="367040"/>
             </a:xfrm>
             <a:custGeom>
               <a:avLst/>
               <a:pathLst>
-                <a:path w="0" h="366484">
+                <a:path w="0" h="367040">
                   <a:moveTo>
-                    <a:pt x="0" y="366484"/>
+                    <a:pt x="0" y="367040"/>
                   </a:moveTo>
                   <a:lnTo>
                     <a:pt x="0" y="0"/>
@@ -6985,18 +6985,18 @@
           </p:nvSpPr>
           <p:spPr>
             <a:xfrm>
-              <a:off x="6469168" y="6521825"/>
-              <a:ext cx="0" cy="366484"/>
+              <a:off x="6467978" y="6522351"/>
+              <a:ext cx="0" cy="367040"/>
             </a:xfrm>
             <a:custGeom>
               <a:avLst/>
               <a:pathLst>
-                <a:path w="0" h="366484">
+                <a:path w="0" h="367040">
                   <a:moveTo>
                     <a:pt x="0" y="0"/>
                   </a:moveTo>
                   <a:lnTo>
-                    <a:pt x="0" y="366484"/>
+                    <a:pt x="0" y="367040"/>
                   </a:lnTo>
                 </a:path>
               </a:pathLst>
@@ -7025,24 +7025,24 @@
           </p:nvSpPr>
           <p:spPr>
             <a:xfrm>
-              <a:off x="6156938" y="6155341"/>
-              <a:ext cx="624460" cy="366484"/>
+              <a:off x="6155667" y="6155310"/>
+              <a:ext cx="624620" cy="367040"/>
             </a:xfrm>
             <a:custGeom>
               <a:avLst/>
               <a:pathLst>
-                <a:path w="624460" h="366484">
+                <a:path w="624620" h="367040">
                   <a:moveTo>
                     <a:pt x="0" y="0"/>
                   </a:moveTo>
                   <a:lnTo>
-                    <a:pt x="0" y="366484"/>
-                  </a:lnTo>
-                  <a:lnTo>
-                    <a:pt x="624460" y="366484"/>
-                  </a:lnTo>
-                  <a:lnTo>
-                    <a:pt x="624460" y="0"/>
+                    <a:pt x="0" y="367040"/>
+                  </a:lnTo>
+                  <a:lnTo>
+                    <a:pt x="624620" y="367040"/>
+                  </a:lnTo>
+                  <a:lnTo>
+                    <a:pt x="624620" y="0"/>
                   </a:lnTo>
                   <a:close/>
                 </a:path>
@@ -7077,18 +7077,18 @@
           </p:nvSpPr>
           <p:spPr>
             <a:xfrm>
-              <a:off x="6156938" y="6521825"/>
-              <a:ext cx="624460" cy="0"/>
+              <a:off x="6155667" y="6522351"/>
+              <a:ext cx="624620" cy="0"/>
             </a:xfrm>
             <a:custGeom>
               <a:avLst/>
               <a:pathLst>
-                <a:path w="624460" h="0">
+                <a:path w="624620" h="0">
                   <a:moveTo>
                     <a:pt x="0" y="0"/>
                   </a:moveTo>
                   <a:lnTo>
-                    <a:pt x="624460" y="0"/>
+                    <a:pt x="624620" y="0"/>
                   </a:lnTo>
                 </a:path>
               </a:pathLst>
@@ -7117,15 +7117,15 @@
           </p:nvSpPr>
           <p:spPr>
             <a:xfrm>
-              <a:off x="7301783" y="5788857"/>
-              <a:ext cx="0" cy="366484"/>
+              <a:off x="7300805" y="5788270"/>
+              <a:ext cx="0" cy="367040"/>
             </a:xfrm>
             <a:custGeom>
               <a:avLst/>
               <a:pathLst>
-                <a:path w="0" h="366484">
+                <a:path w="0" h="367040">
                   <a:moveTo>
-                    <a:pt x="0" y="366484"/>
+                    <a:pt x="0" y="367040"/>
                   </a:moveTo>
                   <a:lnTo>
                     <a:pt x="0" y="0"/>
@@ -7157,18 +7157,18 @@
           </p:nvSpPr>
           <p:spPr>
             <a:xfrm>
-              <a:off x="7301783" y="6521825"/>
-              <a:ext cx="0" cy="366484"/>
+              <a:off x="7300805" y="6522351"/>
+              <a:ext cx="0" cy="367040"/>
             </a:xfrm>
             <a:custGeom>
               <a:avLst/>
               <a:pathLst>
-                <a:path w="0" h="366484">
+                <a:path w="0" h="367040">
                   <a:moveTo>
                     <a:pt x="0" y="0"/>
                   </a:moveTo>
                   <a:lnTo>
-                    <a:pt x="0" y="366484"/>
+                    <a:pt x="0" y="367040"/>
                   </a:lnTo>
                 </a:path>
               </a:pathLst>
@@ -7197,24 +7197,24 @@
           </p:nvSpPr>
           <p:spPr>
             <a:xfrm>
-              <a:off x="6989553" y="6155341"/>
-              <a:ext cx="624460" cy="366484"/>
+              <a:off x="6988495" y="6155310"/>
+              <a:ext cx="624620" cy="367040"/>
             </a:xfrm>
             <a:custGeom>
               <a:avLst/>
               <a:pathLst>
-                <a:path w="624460" h="366484">
+                <a:path w="624620" h="367040">
                   <a:moveTo>
                     <a:pt x="0" y="0"/>
                   </a:moveTo>
                   <a:lnTo>
-                    <a:pt x="0" y="366484"/>
-                  </a:lnTo>
-                  <a:lnTo>
-                    <a:pt x="624460" y="366484"/>
-                  </a:lnTo>
-                  <a:lnTo>
-                    <a:pt x="624460" y="0"/>
+                    <a:pt x="0" y="367040"/>
+                  </a:lnTo>
+                  <a:lnTo>
+                    <a:pt x="624620" y="367040"/>
+                  </a:lnTo>
+                  <a:lnTo>
+                    <a:pt x="624620" y="0"/>
                   </a:lnTo>
                   <a:close/>
                 </a:path>
@@ -7249,18 +7249,18 @@
           </p:nvSpPr>
           <p:spPr>
             <a:xfrm>
-              <a:off x="6989553" y="6155341"/>
-              <a:ext cx="624460" cy="0"/>
+              <a:off x="6988495" y="6155310"/>
+              <a:ext cx="624620" cy="0"/>
             </a:xfrm>
             <a:custGeom>
               <a:avLst/>
               <a:pathLst>
-                <a:path w="624460" h="0">
+                <a:path w="624620" h="0">
                   <a:moveTo>
                     <a:pt x="0" y="0"/>
                   </a:moveTo>
                   <a:lnTo>
-                    <a:pt x="624460" y="0"/>
+                    <a:pt x="624620" y="0"/>
                   </a:lnTo>
                 </a:path>
               </a:pathLst>
@@ -7289,15 +7289,15 @@
           </p:nvSpPr>
           <p:spPr>
             <a:xfrm>
-              <a:off x="8134398" y="5788857"/>
-              <a:ext cx="0" cy="366484"/>
+              <a:off x="8133632" y="5788270"/>
+              <a:ext cx="0" cy="367040"/>
             </a:xfrm>
             <a:custGeom>
               <a:avLst/>
               <a:pathLst>
-                <a:path w="0" h="366484">
+                <a:path w="0" h="367040">
                   <a:moveTo>
-                    <a:pt x="0" y="366484"/>
+                    <a:pt x="0" y="367040"/>
                   </a:moveTo>
                   <a:lnTo>
                     <a:pt x="0" y="0"/>
@@ -7329,18 +7329,18 @@
           </p:nvSpPr>
           <p:spPr>
             <a:xfrm>
-              <a:off x="8134398" y="6888310"/>
-              <a:ext cx="0" cy="1099452"/>
+              <a:off x="8133632" y="6889392"/>
+              <a:ext cx="0" cy="1101122"/>
             </a:xfrm>
             <a:custGeom>
               <a:avLst/>
               <a:pathLst>
-                <a:path w="0" h="1099452">
+                <a:path w="0" h="1101122">
                   <a:moveTo>
                     <a:pt x="0" y="0"/>
                   </a:moveTo>
                   <a:lnTo>
-                    <a:pt x="0" y="1099452"/>
+                    <a:pt x="0" y="1101122"/>
                   </a:lnTo>
                 </a:path>
               </a:pathLst>
@@ -7369,24 +7369,24 @@
           </p:nvSpPr>
           <p:spPr>
             <a:xfrm>
-              <a:off x="7822167" y="6155341"/>
-              <a:ext cx="624460" cy="732968"/>
+              <a:off x="7821322" y="6155310"/>
+              <a:ext cx="624620" cy="734081"/>
             </a:xfrm>
             <a:custGeom>
               <a:avLst/>
               <a:pathLst>
-                <a:path w="624460" h="732968">
+                <a:path w="624620" h="734081">
                   <a:moveTo>
                     <a:pt x="0" y="0"/>
                   </a:moveTo>
                   <a:lnTo>
-                    <a:pt x="0" y="732968"/>
-                  </a:lnTo>
-                  <a:lnTo>
-                    <a:pt x="624460" y="732968"/>
-                  </a:lnTo>
-                  <a:lnTo>
-                    <a:pt x="624460" y="0"/>
+                    <a:pt x="0" y="734081"/>
+                  </a:lnTo>
+                  <a:lnTo>
+                    <a:pt x="624620" y="734081"/>
+                  </a:lnTo>
+                  <a:lnTo>
+                    <a:pt x="624620" y="0"/>
                   </a:lnTo>
                   <a:close/>
                 </a:path>
@@ -7421,18 +7421,18 @@
           </p:nvSpPr>
           <p:spPr>
             <a:xfrm>
-              <a:off x="7822167" y="6521825"/>
-              <a:ext cx="624460" cy="0"/>
+              <a:off x="7821322" y="6522351"/>
+              <a:ext cx="624620" cy="0"/>
             </a:xfrm>
             <a:custGeom>
               <a:avLst/>
               <a:pathLst>
-                <a:path w="624460" h="0">
+                <a:path w="624620" h="0">
                   <a:moveTo>
                     <a:pt x="0" y="0"/>
                   </a:moveTo>
                   <a:lnTo>
-                    <a:pt x="624460" y="0"/>
+                    <a:pt x="624620" y="0"/>
                   </a:lnTo>
                 </a:path>
               </a:pathLst>
@@ -7461,15 +7461,15 @@
           </p:nvSpPr>
           <p:spPr>
             <a:xfrm>
-              <a:off x="8967012" y="5788857"/>
-              <a:ext cx="0" cy="366484"/>
+              <a:off x="8966460" y="5788270"/>
+              <a:ext cx="0" cy="367040"/>
             </a:xfrm>
             <a:custGeom>
               <a:avLst/>
               <a:pathLst>
-                <a:path w="0" h="366484">
+                <a:path w="0" h="367040">
                   <a:moveTo>
-                    <a:pt x="0" y="366484"/>
+                    <a:pt x="0" y="367040"/>
                   </a:moveTo>
                   <a:lnTo>
                     <a:pt x="0" y="0"/>
@@ -7501,18 +7501,18 @@
           </p:nvSpPr>
           <p:spPr>
             <a:xfrm>
-              <a:off x="8967012" y="6888310"/>
-              <a:ext cx="0" cy="1099452"/>
+              <a:off x="8966460" y="6889392"/>
+              <a:ext cx="0" cy="1101122"/>
             </a:xfrm>
             <a:custGeom>
               <a:avLst/>
               <a:pathLst>
-                <a:path w="0" h="1099452">
+                <a:path w="0" h="1101122">
                   <a:moveTo>
                     <a:pt x="0" y="0"/>
                   </a:moveTo>
                   <a:lnTo>
-                    <a:pt x="0" y="1099452"/>
+                    <a:pt x="0" y="1101122"/>
                   </a:lnTo>
                 </a:path>
               </a:pathLst>
@@ -7541,24 +7541,24 @@
           </p:nvSpPr>
           <p:spPr>
             <a:xfrm>
-              <a:off x="8654782" y="6155341"/>
-              <a:ext cx="624460" cy="732968"/>
+              <a:off x="8654149" y="6155310"/>
+              <a:ext cx="624620" cy="734081"/>
             </a:xfrm>
             <a:custGeom>
               <a:avLst/>
               <a:pathLst>
-                <a:path w="624460" h="732968">
+                <a:path w="624620" h="734081">
                   <a:moveTo>
                     <a:pt x="0" y="0"/>
                   </a:moveTo>
                   <a:lnTo>
-                    <a:pt x="0" y="732968"/>
-                  </a:lnTo>
-                  <a:lnTo>
-                    <a:pt x="624460" y="732968"/>
-                  </a:lnTo>
-                  <a:lnTo>
-                    <a:pt x="624460" y="0"/>
+                    <a:pt x="0" y="734081"/>
+                  </a:lnTo>
+                  <a:lnTo>
+                    <a:pt x="624620" y="734081"/>
+                  </a:lnTo>
+                  <a:lnTo>
+                    <a:pt x="624620" y="0"/>
                   </a:lnTo>
                   <a:close/>
                 </a:path>
@@ -7593,18 +7593,18 @@
           </p:nvSpPr>
           <p:spPr>
             <a:xfrm>
-              <a:off x="8654782" y="6521825"/>
-              <a:ext cx="624460" cy="0"/>
+              <a:off x="8654149" y="6522351"/>
+              <a:ext cx="624620" cy="0"/>
             </a:xfrm>
             <a:custGeom>
               <a:avLst/>
               <a:pathLst>
-                <a:path w="624460" h="0">
+                <a:path w="624620" h="0">
                   <a:moveTo>
                     <a:pt x="0" y="0"/>
                   </a:moveTo>
                   <a:lnTo>
-                    <a:pt x="624460" y="0"/>
+                    <a:pt x="624620" y="0"/>
                   </a:lnTo>
                 </a:path>
               </a:pathLst>
@@ -7633,15 +7633,15 @@
           </p:nvSpPr>
           <p:spPr>
             <a:xfrm>
-              <a:off x="9799627" y="5788857"/>
-              <a:ext cx="0" cy="366484"/>
+              <a:off x="9799287" y="5788270"/>
+              <a:ext cx="0" cy="367040"/>
             </a:xfrm>
             <a:custGeom>
               <a:avLst/>
               <a:pathLst>
-                <a:path w="0" h="366484">
+                <a:path w="0" h="367040">
                   <a:moveTo>
-                    <a:pt x="0" y="366484"/>
+                    <a:pt x="0" y="367040"/>
                   </a:moveTo>
                   <a:lnTo>
                     <a:pt x="0" y="0"/>
@@ -7673,18 +7673,18 @@
           </p:nvSpPr>
           <p:spPr>
             <a:xfrm>
-              <a:off x="9799627" y="6888310"/>
-              <a:ext cx="0" cy="1099452"/>
+              <a:off x="9799287" y="6889392"/>
+              <a:ext cx="0" cy="1101122"/>
             </a:xfrm>
             <a:custGeom>
               <a:avLst/>
               <a:pathLst>
-                <a:path w="0" h="1099452">
+                <a:path w="0" h="1101122">
                   <a:moveTo>
                     <a:pt x="0" y="0"/>
                   </a:moveTo>
                   <a:lnTo>
-                    <a:pt x="0" y="1099452"/>
+                    <a:pt x="0" y="1101122"/>
                   </a:lnTo>
                 </a:path>
               </a:pathLst>
@@ -7713,24 +7713,24 @@
           </p:nvSpPr>
           <p:spPr>
             <a:xfrm>
-              <a:off x="9487397" y="6155341"/>
-              <a:ext cx="624460" cy="732968"/>
+              <a:off x="9486977" y="6155310"/>
+              <a:ext cx="624620" cy="734081"/>
             </a:xfrm>
             <a:custGeom>
               <a:avLst/>
               <a:pathLst>
-                <a:path w="624460" h="732968">
+                <a:path w="624620" h="734081">
                   <a:moveTo>
                     <a:pt x="0" y="0"/>
                   </a:moveTo>
                   <a:lnTo>
-                    <a:pt x="0" y="732968"/>
-                  </a:lnTo>
-                  <a:lnTo>
-                    <a:pt x="624460" y="732968"/>
-                  </a:lnTo>
-                  <a:lnTo>
-                    <a:pt x="624460" y="0"/>
+                    <a:pt x="0" y="734081"/>
+                  </a:lnTo>
+                  <a:lnTo>
+                    <a:pt x="624620" y="734081"/>
+                  </a:lnTo>
+                  <a:lnTo>
+                    <a:pt x="624620" y="0"/>
                   </a:lnTo>
                   <a:close/>
                 </a:path>
@@ -7765,18 +7765,18 @@
           </p:nvSpPr>
           <p:spPr>
             <a:xfrm>
-              <a:off x="9487397" y="6521825"/>
-              <a:ext cx="624460" cy="0"/>
+              <a:off x="9486977" y="6522351"/>
+              <a:ext cx="624620" cy="0"/>
             </a:xfrm>
             <a:custGeom>
               <a:avLst/>
               <a:pathLst>
-                <a:path w="624460" h="0">
+                <a:path w="624620" h="0">
                   <a:moveTo>
                     <a:pt x="0" y="0"/>
                   </a:moveTo>
                   <a:lnTo>
-                    <a:pt x="624460" y="0"/>
+                    <a:pt x="624620" y="0"/>
                   </a:lnTo>
                 </a:path>
               </a:pathLst>
@@ -7805,15 +7805,15 @@
           </p:nvSpPr>
           <p:spPr>
             <a:xfrm>
-              <a:off x="10632242" y="6155341"/>
-              <a:ext cx="0" cy="366484"/>
+              <a:off x="10632114" y="6155310"/>
+              <a:ext cx="0" cy="367040"/>
             </a:xfrm>
             <a:custGeom>
               <a:avLst/>
               <a:pathLst>
-                <a:path w="0" h="366484">
+                <a:path w="0" h="367040">
                   <a:moveTo>
-                    <a:pt x="0" y="366484"/>
+                    <a:pt x="0" y="367040"/>
                   </a:moveTo>
                   <a:lnTo>
                     <a:pt x="0" y="0"/>
@@ -7845,18 +7845,18 @@
           </p:nvSpPr>
           <p:spPr>
             <a:xfrm>
-              <a:off x="10632242" y="6888310"/>
-              <a:ext cx="0" cy="366484"/>
+              <a:off x="10632114" y="6889392"/>
+              <a:ext cx="0" cy="367040"/>
             </a:xfrm>
             <a:custGeom>
               <a:avLst/>
               <a:pathLst>
-                <a:path w="0" h="366484">
+                <a:path w="0" h="367040">
                   <a:moveTo>
                     <a:pt x="0" y="0"/>
                   </a:moveTo>
                   <a:lnTo>
-                    <a:pt x="0" y="366484"/>
+                    <a:pt x="0" y="367040"/>
                   </a:lnTo>
                 </a:path>
               </a:pathLst>
@@ -7885,24 +7885,24 @@
           </p:nvSpPr>
           <p:spPr>
             <a:xfrm>
-              <a:off x="10320011" y="6521825"/>
-              <a:ext cx="624460" cy="366484"/>
+              <a:off x="10319804" y="6522351"/>
+              <a:ext cx="624620" cy="367040"/>
             </a:xfrm>
             <a:custGeom>
               <a:avLst/>
               <a:pathLst>
-                <a:path w="624460" h="366484">
+                <a:path w="624620" h="367040">
                   <a:moveTo>
                     <a:pt x="0" y="0"/>
                   </a:moveTo>
                   <a:lnTo>
-                    <a:pt x="0" y="366484"/>
-                  </a:lnTo>
-                  <a:lnTo>
-                    <a:pt x="624460" y="366484"/>
-                  </a:lnTo>
-                  <a:lnTo>
-                    <a:pt x="624460" y="0"/>
+                    <a:pt x="0" y="367040"/>
+                  </a:lnTo>
+                  <a:lnTo>
+                    <a:pt x="624620" y="367040"/>
+                  </a:lnTo>
+                  <a:lnTo>
+                    <a:pt x="624620" y="0"/>
                   </a:lnTo>
                   <a:close/>
                 </a:path>
@@ -7937,18 +7937,18 @@
           </p:nvSpPr>
           <p:spPr>
             <a:xfrm>
-              <a:off x="10320011" y="6888310"/>
-              <a:ext cx="624460" cy="0"/>
+              <a:off x="10319804" y="6889392"/>
+              <a:ext cx="624620" cy="0"/>
             </a:xfrm>
             <a:custGeom>
               <a:avLst/>
               <a:pathLst>
-                <a:path w="624460" h="0">
+                <a:path w="624620" h="0">
                   <a:moveTo>
                     <a:pt x="0" y="0"/>
                   </a:moveTo>
                   <a:lnTo>
-                    <a:pt x="624460" y="0"/>
+                    <a:pt x="624620" y="0"/>
                   </a:lnTo>
                 </a:path>
               </a:pathLst>
@@ -7977,7 +7977,7 @@
           </p:nvSpPr>
           <p:spPr>
             <a:xfrm>
-              <a:off x="4697075" y="5692398"/>
+              <a:off x="4695459" y="5691811"/>
               <a:ext cx="50111" cy="49221"/>
             </a:xfrm>
             <a:custGeom>
@@ -8053,7 +8053,7 @@
           </p:nvSpPr>
           <p:spPr>
             <a:xfrm>
-              <a:off x="4751637" y="5692398"/>
+              <a:off x="4750021" y="5691811"/>
               <a:ext cx="50111" cy="49221"/>
             </a:xfrm>
             <a:custGeom>
@@ -8129,7 +8129,7 @@
           </p:nvSpPr>
           <p:spPr>
             <a:xfrm>
-              <a:off x="4806198" y="5692398"/>
+              <a:off x="4804582" y="5691811"/>
               <a:ext cx="50111" cy="49221"/>
             </a:xfrm>
             <a:custGeom>
@@ -8205,7 +8205,7 @@
           </p:nvSpPr>
           <p:spPr>
             <a:xfrm>
-              <a:off x="4860760" y="5692398"/>
+              <a:off x="4859144" y="5691811"/>
               <a:ext cx="50111" cy="49221"/>
             </a:xfrm>
             <a:custGeom>
@@ -8281,7 +8281,7 @@
           </p:nvSpPr>
           <p:spPr>
             <a:xfrm>
-              <a:off x="7194919" y="5692398"/>
+              <a:off x="7193941" y="5691811"/>
               <a:ext cx="50111" cy="49221"/>
             </a:xfrm>
             <a:custGeom>
@@ -8357,7 +8357,7 @@
           </p:nvSpPr>
           <p:spPr>
             <a:xfrm>
-              <a:off x="7249480" y="5692398"/>
+              <a:off x="7248502" y="5691811"/>
               <a:ext cx="50111" cy="49221"/>
             </a:xfrm>
             <a:custGeom>
@@ -8433,7 +8433,7 @@
           </p:nvSpPr>
           <p:spPr>
             <a:xfrm>
-              <a:off x="7304042" y="5692398"/>
+              <a:off x="7303064" y="5691811"/>
               <a:ext cx="50111" cy="49221"/>
             </a:xfrm>
             <a:custGeom>
@@ -8509,7 +8509,7 @@
           </p:nvSpPr>
           <p:spPr>
             <a:xfrm>
-              <a:off x="7358604" y="5692398"/>
+              <a:off x="7357626" y="5691811"/>
               <a:ext cx="50111" cy="49221"/>
             </a:xfrm>
             <a:custGeom>
@@ -8585,7 +8585,7 @@
           </p:nvSpPr>
           <p:spPr>
             <a:xfrm>
-              <a:off x="8109376" y="5692398"/>
+              <a:off x="8108611" y="5691811"/>
               <a:ext cx="50111" cy="49221"/>
             </a:xfrm>
             <a:custGeom>
@@ -8661,7 +8661,7 @@
           </p:nvSpPr>
           <p:spPr>
             <a:xfrm>
-              <a:off x="5584251" y="5692398"/>
+              <a:off x="5582848" y="5691811"/>
               <a:ext cx="50111" cy="49221"/>
             </a:xfrm>
             <a:custGeom>
@@ -8737,7 +8737,7 @@
           </p:nvSpPr>
           <p:spPr>
             <a:xfrm>
-              <a:off x="5638813" y="5692398"/>
+              <a:off x="5637410" y="5691811"/>
               <a:ext cx="50111" cy="49221"/>
             </a:xfrm>
             <a:custGeom>
@@ -8813,7 +8813,7 @@
           </p:nvSpPr>
           <p:spPr>
             <a:xfrm>
-              <a:off x="8860148" y="5692398"/>
+              <a:off x="8859595" y="5691811"/>
               <a:ext cx="50111" cy="49221"/>
             </a:xfrm>
             <a:custGeom>
@@ -8889,7 +8889,7 @@
           </p:nvSpPr>
           <p:spPr>
             <a:xfrm>
-              <a:off x="8914710" y="5692398"/>
+              <a:off x="8914157" y="5691811"/>
               <a:ext cx="50111" cy="49221"/>
             </a:xfrm>
             <a:custGeom>
@@ -8965,7 +8965,7 @@
           </p:nvSpPr>
           <p:spPr>
             <a:xfrm>
-              <a:off x="8969272" y="5692398"/>
+              <a:off x="8968719" y="5691811"/>
               <a:ext cx="50111" cy="49221"/>
             </a:xfrm>
             <a:custGeom>
@@ -9041,7 +9041,7 @@
           </p:nvSpPr>
           <p:spPr>
             <a:xfrm>
-              <a:off x="9023833" y="5692398"/>
+              <a:off x="9023280" y="5691811"/>
               <a:ext cx="50111" cy="49221"/>
             </a:xfrm>
             <a:custGeom>
@@ -9117,7 +9117,7 @@
           </p:nvSpPr>
           <p:spPr>
             <a:xfrm>
-              <a:off x="10525377" y="5692398"/>
+              <a:off x="10525250" y="5691811"/>
               <a:ext cx="50111" cy="49221"/>
             </a:xfrm>
             <a:custGeom>
@@ -9193,7 +9193,7 @@
           </p:nvSpPr>
           <p:spPr>
             <a:xfrm>
-              <a:off x="10579939" y="5692398"/>
+              <a:off x="10579812" y="5691811"/>
               <a:ext cx="50111" cy="49221"/>
             </a:xfrm>
             <a:custGeom>
@@ -9269,7 +9269,7 @@
           </p:nvSpPr>
           <p:spPr>
             <a:xfrm>
-              <a:off x="10634501" y="5692398"/>
+              <a:off x="10634373" y="5691811"/>
               <a:ext cx="50111" cy="49221"/>
             </a:xfrm>
             <a:custGeom>
@@ -9345,7 +9345,7 @@
           </p:nvSpPr>
           <p:spPr>
             <a:xfrm>
-              <a:off x="10689063" y="5692398"/>
+              <a:off x="10688935" y="5691811"/>
               <a:ext cx="50111" cy="49221"/>
             </a:xfrm>
             <a:custGeom>
@@ -9421,21 +9421,21 @@
           </p:nvSpPr>
           <p:spPr>
             <a:xfrm>
-              <a:off x="4304370" y="6521825"/>
-              <a:ext cx="6827440" cy="0"/>
+              <a:off x="4302627" y="6522351"/>
+              <a:ext cx="6829183" cy="0"/>
             </a:xfrm>
             <a:custGeom>
               <a:avLst/>
               <a:pathLst>
-                <a:path w="6827440" h="0">
+                <a:path w="6829183" h="0">
                   <a:moveTo>
                     <a:pt x="0" y="0"/>
                   </a:moveTo>
                   <a:lnTo>
-                    <a:pt x="6827440" y="0"/>
-                  </a:lnTo>
-                  <a:lnTo>
-                    <a:pt x="6827440" y="0"/>
+                    <a:pt x="6829183" y="0"/>
+                  </a:lnTo>
+                  <a:lnTo>
+                    <a:pt x="6829183" y="0"/>
                   </a:lnTo>
                 </a:path>
               </a:pathLst>
@@ -9464,8 +9464,8 @@
           </p:nvSpPr>
           <p:spPr>
             <a:xfrm>
-              <a:off x="4304370" y="5532318"/>
-              <a:ext cx="6827440" cy="3078467"/>
+              <a:off x="4302627" y="5531341"/>
+              <a:ext cx="6829183" cy="3083141"/>
             </a:xfrm>
             <a:prstGeom prst="rect">
               <a:avLst/>
@@ -9494,8 +9494,8 @@
           </p:nvSpPr>
           <p:spPr>
             <a:xfrm>
-              <a:off x="4304370" y="5318940"/>
-              <a:ext cx="6827440" cy="213378"/>
+              <a:off x="4302627" y="5319917"/>
+              <a:ext cx="6829183" cy="211424"/>
             </a:xfrm>
             <a:prstGeom prst="rect">
               <a:avLst/>
@@ -9529,7 +9529,7 @@
           </p:nvSpPr>
           <p:spPr>
             <a:xfrm>
-              <a:off x="7612006" y="5373705"/>
+              <a:off x="7611134" y="5373705"/>
               <a:ext cx="100409" cy="100845"/>
             </a:xfrm>
             <a:custGeom>
@@ -9857,7 +9857,7 @@
           </p:nvSpPr>
           <p:spPr>
             <a:xfrm>
-              <a:off x="7639509" y="5403392"/>
+              <a:off x="7638637" y="5403392"/>
               <a:ext cx="43219" cy="38417"/>
             </a:xfrm>
             <a:custGeom>
@@ -9981,7 +9981,7 @@
           </p:nvSpPr>
           <p:spPr>
             <a:xfrm>
-              <a:off x="7738172" y="5373705"/>
+              <a:off x="7737301" y="5373705"/>
               <a:ext cx="20081" cy="100409"/>
             </a:xfrm>
             <a:custGeom>
@@ -10090,7 +10090,7 @@
           </p:nvSpPr>
           <p:spPr>
             <a:xfrm>
-              <a:off x="7722893" y="5395533"/>
+              <a:off x="7722021" y="5395533"/>
               <a:ext cx="11350" cy="32742"/>
             </a:xfrm>
             <a:custGeom>
@@ -10187,7 +10187,7 @@
           </p:nvSpPr>
           <p:spPr>
             <a:xfrm>
-              <a:off x="7754762" y="5374142"/>
+              <a:off x="7753890" y="5374142"/>
               <a:ext cx="69850" cy="96043"/>
             </a:xfrm>
             <a:custGeom>
@@ -10383,8 +10383,8 @@
           </p:nvSpPr>
           <p:spPr>
             <a:xfrm>
-              <a:off x="4304370" y="1957505"/>
-              <a:ext cx="6827440" cy="213378"/>
+              <a:off x="4302627" y="1955762"/>
+              <a:ext cx="6829183" cy="211424"/>
             </a:xfrm>
             <a:prstGeom prst="rect">
               <a:avLst/>
@@ -10418,7 +10418,7 @@
           </p:nvSpPr>
           <p:spPr>
             <a:xfrm>
-              <a:off x="7622920" y="2016199"/>
+              <a:off x="7622048" y="2013479"/>
               <a:ext cx="79890" cy="43219"/>
             </a:xfrm>
             <a:custGeom>
@@ -10461,7 +10461,7 @@
           </p:nvSpPr>
           <p:spPr>
             <a:xfrm>
-              <a:off x="7631651" y="2024494"/>
+              <a:off x="7630779" y="2021774"/>
               <a:ext cx="26630" cy="10040"/>
             </a:xfrm>
             <a:custGeom>
@@ -10504,7 +10504,7 @@
           </p:nvSpPr>
           <p:spPr>
             <a:xfrm>
-              <a:off x="7667013" y="2024494"/>
+              <a:off x="7666141" y="2021774"/>
               <a:ext cx="27066" cy="10040"/>
             </a:xfrm>
             <a:custGeom>
@@ -10547,7 +10547,7 @@
           </p:nvSpPr>
           <p:spPr>
             <a:xfrm>
-              <a:off x="7631651" y="2041520"/>
+              <a:off x="7630779" y="2038800"/>
               <a:ext cx="26630" cy="10040"/>
             </a:xfrm>
             <a:custGeom>
@@ -10590,7 +10590,7 @@
           </p:nvSpPr>
           <p:spPr>
             <a:xfrm>
-              <a:off x="7667013" y="2041520"/>
+              <a:off x="7666141" y="2038800"/>
               <a:ext cx="27066" cy="10040"/>
             </a:xfrm>
             <a:custGeom>
@@ -10633,7 +10633,7 @@
           </p:nvSpPr>
           <p:spPr>
             <a:xfrm>
-              <a:off x="7612006" y="2062912"/>
+              <a:off x="7611134" y="2060191"/>
               <a:ext cx="92987" cy="49331"/>
             </a:xfrm>
             <a:custGeom>
@@ -10988,7 +10988,7 @@
           </p:nvSpPr>
           <p:spPr>
             <a:xfrm>
-              <a:off x="7738172" y="2012270"/>
+              <a:off x="7737301" y="2009550"/>
               <a:ext cx="20081" cy="100409"/>
             </a:xfrm>
             <a:custGeom>
@@ -11097,7 +11097,7 @@
           </p:nvSpPr>
           <p:spPr>
             <a:xfrm>
-              <a:off x="7722893" y="2034099"/>
+              <a:off x="7722021" y="2031378"/>
               <a:ext cx="11350" cy="32742"/>
             </a:xfrm>
             <a:custGeom>
@@ -11194,7 +11194,7 @@
           </p:nvSpPr>
           <p:spPr>
             <a:xfrm>
-              <a:off x="7754762" y="2012707"/>
+              <a:off x="7753890" y="2009987"/>
               <a:ext cx="69850" cy="96043"/>
             </a:xfrm>
             <a:custGeom>
@@ -11390,7 +11390,7 @@
           </p:nvSpPr>
           <p:spPr>
             <a:xfrm>
-              <a:off x="4803939" y="8610786"/>
+              <a:off x="4802323" y="8614483"/>
               <a:ext cx="0" cy="34794"/>
             </a:xfrm>
             <a:custGeom>
@@ -11430,7 +11430,7 @@
           </p:nvSpPr>
           <p:spPr>
             <a:xfrm>
-              <a:off x="5636554" y="8610786"/>
+              <a:off x="5635150" y="8614483"/>
               <a:ext cx="0" cy="34794"/>
             </a:xfrm>
             <a:custGeom>
@@ -11470,7 +11470,7 @@
           </p:nvSpPr>
           <p:spPr>
             <a:xfrm>
-              <a:off x="6469168" y="8610786"/>
+              <a:off x="6467978" y="8614483"/>
               <a:ext cx="0" cy="34794"/>
             </a:xfrm>
             <a:custGeom>
@@ -11510,7 +11510,7 @@
           </p:nvSpPr>
           <p:spPr>
             <a:xfrm>
-              <a:off x="7301783" y="8610786"/>
+              <a:off x="7300805" y="8614483"/>
               <a:ext cx="0" cy="34794"/>
             </a:xfrm>
             <a:custGeom>
@@ -11550,7 +11550,7 @@
           </p:nvSpPr>
           <p:spPr>
             <a:xfrm>
-              <a:off x="8134398" y="8610786"/>
+              <a:off x="8133632" y="8614483"/>
               <a:ext cx="0" cy="34794"/>
             </a:xfrm>
             <a:custGeom>
@@ -11590,7 +11590,7 @@
           </p:nvSpPr>
           <p:spPr>
             <a:xfrm>
-              <a:off x="8967012" y="8610786"/>
+              <a:off x="8966460" y="8614483"/>
               <a:ext cx="0" cy="34794"/>
             </a:xfrm>
             <a:custGeom>
@@ -11630,7 +11630,7 @@
           </p:nvSpPr>
           <p:spPr>
             <a:xfrm>
-              <a:off x="9799627" y="8610786"/>
+              <a:off x="9799287" y="8614483"/>
               <a:ext cx="0" cy="34794"/>
             </a:xfrm>
             <a:custGeom>
@@ -11670,7 +11670,7 @@
           </p:nvSpPr>
           <p:spPr>
             <a:xfrm>
-              <a:off x="10632242" y="8610786"/>
+              <a:off x="10632114" y="8614483"/>
               <a:ext cx="0" cy="34794"/>
             </a:xfrm>
             <a:custGeom>
@@ -11710,7 +11710,7 @@
           </p:nvSpPr>
           <p:spPr>
             <a:xfrm>
-              <a:off x="4701783" y="8660810"/>
+              <a:off x="4700168" y="8664507"/>
               <a:ext cx="21391" cy="17462"/>
             </a:xfrm>
             <a:custGeom>
@@ -11807,7 +11807,7 @@
           </p:nvSpPr>
           <p:spPr>
             <a:xfrm>
-              <a:off x="4697418" y="8687877"/>
+              <a:off x="4695802" y="8691574"/>
               <a:ext cx="22264" cy="18335"/>
             </a:xfrm>
             <a:custGeom>
@@ -11904,7 +11904,7 @@
           </p:nvSpPr>
           <p:spPr>
             <a:xfrm>
-              <a:off x="4698291" y="8714507"/>
+              <a:off x="4696675" y="8718204"/>
               <a:ext cx="27940" cy="45402"/>
             </a:xfrm>
             <a:custGeom>
@@ -12001,7 +12001,7 @@
           </p:nvSpPr>
           <p:spPr>
             <a:xfrm>
-              <a:off x="4730160" y="8659064"/>
+              <a:off x="4728544" y="8662761"/>
               <a:ext cx="65920" cy="101282"/>
             </a:xfrm>
             <a:custGeom>
@@ -12398,7 +12398,7 @@
           </p:nvSpPr>
           <p:spPr>
             <a:xfrm>
-              <a:off x="4749369" y="8676090"/>
+              <a:off x="4747753" y="8679787"/>
               <a:ext cx="28376" cy="12660"/>
             </a:xfrm>
             <a:custGeom>
@@ -12495,7 +12495,7 @@
           </p:nvSpPr>
           <p:spPr>
             <a:xfrm>
-              <a:off x="4755481" y="8728914"/>
+              <a:off x="4753865" y="8732611"/>
               <a:ext cx="15279" cy="10040"/>
             </a:xfrm>
             <a:custGeom>
@@ -12538,7 +12538,7 @@
           </p:nvSpPr>
           <p:spPr>
             <a:xfrm>
-              <a:off x="4809614" y="8659500"/>
+              <a:off x="4807998" y="8663198"/>
               <a:ext cx="64174" cy="56316"/>
             </a:xfrm>
             <a:custGeom>
@@ -12899,7 +12899,7 @@
           </p:nvSpPr>
           <p:spPr>
             <a:xfrm>
-              <a:off x="4853271" y="8714071"/>
+              <a:off x="4851655" y="8717768"/>
               <a:ext cx="8731" cy="46712"/>
             </a:xfrm>
             <a:custGeom>
@@ -12942,7 +12942,7 @@
           </p:nvSpPr>
           <p:spPr>
             <a:xfrm>
-              <a:off x="4812670" y="8714944"/>
+              <a:off x="4811054" y="8718641"/>
               <a:ext cx="23574" cy="45839"/>
             </a:xfrm>
             <a:custGeom>
@@ -13099,7 +13099,7 @@
           </p:nvSpPr>
           <p:spPr>
             <a:xfrm>
-              <a:off x="4879464" y="8660374"/>
+              <a:off x="4877848" y="8664071"/>
               <a:ext cx="27066" cy="99972"/>
             </a:xfrm>
             <a:custGeom>
@@ -13292,7 +13292,7 @@
           </p:nvSpPr>
           <p:spPr>
             <a:xfrm>
-              <a:off x="4878591" y="8671724"/>
+              <a:off x="4876975" y="8675421"/>
               <a:ext cx="8731" cy="63301"/>
             </a:xfrm>
             <a:custGeom>
@@ -13335,7 +13335,7 @@
           </p:nvSpPr>
           <p:spPr>
             <a:xfrm>
-              <a:off x="5199555" y="8663430"/>
+              <a:off x="5198151" y="8667127"/>
               <a:ext cx="91678" cy="96916"/>
             </a:xfrm>
             <a:custGeom>
@@ -13390,7 +13390,7 @@
           </p:nvSpPr>
           <p:spPr>
             <a:xfrm>
-              <a:off x="5208286" y="8671724"/>
+              <a:off x="5206883" y="8675421"/>
               <a:ext cx="74215" cy="74215"/>
             </a:xfrm>
             <a:custGeom>
@@ -13433,7 +13433,7 @@
           </p:nvSpPr>
           <p:spPr>
             <a:xfrm>
-              <a:off x="5213088" y="8675653"/>
+              <a:off x="5211685" y="8679350"/>
               <a:ext cx="64611" cy="64174"/>
             </a:xfrm>
             <a:custGeom>
@@ -13512,7 +13512,7 @@
           </p:nvSpPr>
           <p:spPr>
             <a:xfrm>
-              <a:off x="5229678" y="8717127"/>
+              <a:off x="5228274" y="8720824"/>
               <a:ext cx="31869" cy="14406"/>
             </a:xfrm>
             <a:custGeom>
@@ -13555,7 +13555,7 @@
           </p:nvSpPr>
           <p:spPr>
             <a:xfrm>
-              <a:off x="5305639" y="8659937"/>
+              <a:off x="5304236" y="8663634"/>
               <a:ext cx="31869" cy="100409"/>
             </a:xfrm>
             <a:custGeom>
@@ -13691,7 +13691,7 @@
           </p:nvSpPr>
           <p:spPr>
             <a:xfrm>
-              <a:off x="5331397" y="8659937"/>
+              <a:off x="5329993" y="8663634"/>
               <a:ext cx="76835" cy="100845"/>
             </a:xfrm>
             <a:custGeom>
@@ -13879,7 +13879,7 @@
                     <a:pt x="25853" y="33423"/>
                   </a:lnTo>
                   <a:lnTo>
-                    <a:pt x="27940" y="27503"/>
+                    <a:pt x="27939" y="27503"/>
                   </a:lnTo>
                   <a:lnTo>
                     <a:pt x="5238" y="27503"/>
@@ -13908,7 +13908,7 @@
           </p:nvSpPr>
           <p:spPr>
             <a:xfrm>
-              <a:off x="5416963" y="8659500"/>
+              <a:off x="5415560" y="8663198"/>
               <a:ext cx="43656" cy="49331"/>
             </a:xfrm>
             <a:custGeom>
@@ -14137,7 +14137,7 @@
           </p:nvSpPr>
           <p:spPr>
             <a:xfrm>
-              <a:off x="5433989" y="8696172"/>
+              <a:off x="5432585" y="8699869"/>
               <a:ext cx="21828" cy="63301"/>
             </a:xfrm>
             <a:custGeom>
@@ -14243,7 +14243,7 @@
           </p:nvSpPr>
           <p:spPr>
             <a:xfrm>
-              <a:off x="5462802" y="8659064"/>
+              <a:off x="5461399" y="8662761"/>
               <a:ext cx="52824" cy="48458"/>
             </a:xfrm>
             <a:custGeom>
@@ -14347,7 +14347,7 @@
                     <a:pt x="21387" y="15624"/>
                   </a:lnTo>
                   <a:lnTo>
-                    <a:pt x="20955" y="17025"/>
+                    <a:pt x="20954" y="17025"/>
                   </a:lnTo>
                   <a:lnTo>
                     <a:pt x="52824" y="17025"/>
@@ -14472,7 +14472,7 @@
           </p:nvSpPr>
           <p:spPr>
             <a:xfrm>
-              <a:off x="5461056" y="8691370"/>
+              <a:off x="5459652" y="8695067"/>
               <a:ext cx="58935" cy="68976"/>
             </a:xfrm>
             <a:custGeom>
@@ -14492,7 +14492,7 @@
                     <a:pt x="31934" y="16268"/>
                   </a:lnTo>
                   <a:lnTo>
-                    <a:pt x="32131" y="17488"/>
+                    <a:pt x="32130" y="17488"/>
                   </a:lnTo>
                   <a:lnTo>
                     <a:pt x="32458" y="18940"/>
@@ -14695,7 +14695,7 @@
           </p:nvSpPr>
           <p:spPr>
             <a:xfrm>
-              <a:off x="5584166" y="8659937"/>
+              <a:off x="5582763" y="8663634"/>
               <a:ext cx="48895" cy="100409"/>
             </a:xfrm>
             <a:custGeom>
@@ -14762,7 +14762,7 @@
           </p:nvSpPr>
           <p:spPr>
             <a:xfrm>
-              <a:off x="5587222" y="8668232"/>
+              <a:off x="5585819" y="8671929"/>
               <a:ext cx="21828" cy="21828"/>
             </a:xfrm>
             <a:custGeom>
@@ -14859,7 +14859,7 @@
           </p:nvSpPr>
           <p:spPr>
             <a:xfrm>
-              <a:off x="5581983" y="8693989"/>
+              <a:off x="5580580" y="8697686"/>
               <a:ext cx="23137" cy="22264"/>
             </a:xfrm>
             <a:custGeom>
@@ -14956,7 +14956,7 @@
           </p:nvSpPr>
           <p:spPr>
             <a:xfrm>
-              <a:off x="5529596" y="8659937"/>
+              <a:off x="5528193" y="8663634"/>
               <a:ext cx="47148" cy="100845"/>
             </a:xfrm>
             <a:custGeom>
@@ -15105,7 +15105,7 @@
                     <a:pt x="7530" y="67536"/>
                   </a:lnTo>
                   <a:lnTo>
-                    <a:pt x="9778" y="64262"/>
+                    <a:pt x="9779" y="64262"/>
                   </a:lnTo>
                   <a:lnTo>
                     <a:pt x="11896" y="60900"/>
@@ -15152,7 +15152,7 @@
           </p:nvSpPr>
           <p:spPr>
             <a:xfrm>
-              <a:off x="5533088" y="8667359"/>
+              <a:off x="5531685" y="8671056"/>
               <a:ext cx="13533" cy="24010"/>
             </a:xfrm>
             <a:custGeom>
@@ -15160,7 +15160,7 @@
               <a:pathLst>
                 <a:path w="13533" h="24010">
                   <a:moveTo>
-                    <a:pt x="6985" y="0"/>
+                    <a:pt x="6984" y="0"/>
                   </a:moveTo>
                   <a:lnTo>
                     <a:pt x="7679" y="1938"/>
@@ -15193,7 +15193,7 @@
                     <a:pt x="13533" y="20954"/>
                   </a:lnTo>
                   <a:lnTo>
-                    <a:pt x="6985" y="24010"/>
+                    <a:pt x="6984" y="24010"/>
                   </a:lnTo>
                   <a:lnTo>
                     <a:pt x="6365" y="21679"/>
@@ -15249,7 +15249,7 @@
           </p:nvSpPr>
           <p:spPr>
             <a:xfrm>
-              <a:off x="5562775" y="8667359"/>
+              <a:off x="5561371" y="8671056"/>
               <a:ext cx="14843" cy="24447"/>
             </a:xfrm>
             <a:custGeom>
@@ -15346,7 +15346,7 @@
           </p:nvSpPr>
           <p:spPr>
             <a:xfrm>
-              <a:off x="5679337" y="8670415"/>
+              <a:off x="5677934" y="8674112"/>
               <a:ext cx="39290" cy="97353"/>
             </a:xfrm>
             <a:custGeom>
@@ -15563,7 +15563,7 @@
           </p:nvSpPr>
           <p:spPr>
             <a:xfrm>
-              <a:off x="5753116" y="8659937"/>
+              <a:off x="5751713" y="8663634"/>
               <a:ext cx="42346" cy="100845"/>
             </a:xfrm>
             <a:custGeom>
@@ -15759,7 +15759,7 @@
           </p:nvSpPr>
           <p:spPr>
             <a:xfrm>
-              <a:off x="5756172" y="8667359"/>
+              <a:off x="5754769" y="8671056"/>
               <a:ext cx="12223" cy="24010"/>
             </a:xfrm>
             <a:custGeom>
@@ -15856,7 +15856,7 @@
           </p:nvSpPr>
           <p:spPr>
             <a:xfrm>
-              <a:off x="5782802" y="8667359"/>
+              <a:off x="5781399" y="8671056"/>
               <a:ext cx="13533" cy="24447"/>
             </a:xfrm>
             <a:custGeom>
@@ -15864,7 +15864,7 @@
               <a:pathLst>
                 <a:path w="13533" h="24447">
                   <a:moveTo>
-                    <a:pt x="6984" y="0"/>
+                    <a:pt x="6985" y="0"/>
                   </a:moveTo>
                   <a:lnTo>
                     <a:pt x="13533" y="2182"/>
@@ -15897,7 +15897,7 @@
                     <a:pt x="7679" y="22574"/>
                   </a:lnTo>
                   <a:lnTo>
-                    <a:pt x="6984" y="24447"/>
+                    <a:pt x="6985" y="24447"/>
                   </a:lnTo>
                   <a:lnTo>
                     <a:pt x="0" y="20954"/>
@@ -15953,7 +15953,7 @@
           </p:nvSpPr>
           <p:spPr>
             <a:xfrm>
-              <a:off x="5827768" y="8660374"/>
+              <a:off x="5826365" y="8664071"/>
               <a:ext cx="27066" cy="45402"/>
             </a:xfrm>
             <a:custGeom>
@@ -16050,7 +16050,7 @@
           </p:nvSpPr>
           <p:spPr>
             <a:xfrm>
-              <a:off x="5795899" y="8661247"/>
+              <a:off x="5794496" y="8664944"/>
               <a:ext cx="24010" cy="44965"/>
             </a:xfrm>
             <a:custGeom>
@@ -16091,7 +16091,7 @@
                     <a:pt x="9041" y="41866"/>
                   </a:lnTo>
                   <a:lnTo>
-                    <a:pt x="6984" y="44965"/>
+                    <a:pt x="6985" y="44965"/>
                   </a:lnTo>
                   <a:lnTo>
                     <a:pt x="0" y="39290"/>
@@ -16147,7 +16147,7 @@
           </p:nvSpPr>
           <p:spPr>
             <a:xfrm>
-              <a:off x="5795899" y="8703593"/>
+              <a:off x="5794496" y="8707290"/>
               <a:ext cx="49331" cy="56316"/>
             </a:xfrm>
             <a:custGeom>
@@ -16436,7 +16436,7 @@
           </p:nvSpPr>
           <p:spPr>
             <a:xfrm>
-              <a:off x="5865749" y="8659500"/>
+              <a:off x="5864346" y="8663198"/>
               <a:ext cx="64174" cy="56316"/>
             </a:xfrm>
             <a:custGeom>
@@ -16797,7 +16797,7 @@
           </p:nvSpPr>
           <p:spPr>
             <a:xfrm>
-              <a:off x="5909405" y="8714071"/>
+              <a:off x="5908002" y="8717768"/>
               <a:ext cx="8731" cy="46712"/>
             </a:xfrm>
             <a:custGeom>
@@ -16840,7 +16840,7 @@
           </p:nvSpPr>
           <p:spPr>
             <a:xfrm>
-              <a:off x="5868805" y="8714944"/>
+              <a:off x="5867402" y="8718641"/>
               <a:ext cx="23574" cy="45839"/>
             </a:xfrm>
             <a:custGeom>
@@ -16997,7 +16997,7 @@
           </p:nvSpPr>
           <p:spPr>
             <a:xfrm>
-              <a:off x="5935599" y="8660374"/>
+              <a:off x="5934196" y="8664071"/>
               <a:ext cx="27066" cy="99972"/>
             </a:xfrm>
             <a:custGeom>
@@ -17190,7 +17190,7 @@
           </p:nvSpPr>
           <p:spPr>
             <a:xfrm>
-              <a:off x="5934726" y="8671724"/>
+              <a:off x="5933323" y="8675421"/>
               <a:ext cx="8731" cy="63301"/>
             </a:xfrm>
             <a:custGeom>
@@ -17233,7 +17233,7 @@
           </p:nvSpPr>
           <p:spPr>
             <a:xfrm>
-              <a:off x="6001520" y="8670415"/>
+              <a:off x="6000117" y="8674112"/>
               <a:ext cx="39290" cy="97353"/>
             </a:xfrm>
             <a:custGeom>
@@ -17450,7 +17450,7 @@
           </p:nvSpPr>
           <p:spPr>
             <a:xfrm>
-              <a:off x="6403247" y="8659500"/>
+              <a:off x="6402057" y="8663198"/>
               <a:ext cx="58499" cy="23137"/>
             </a:xfrm>
             <a:custGeom>
@@ -17559,7 +17559,7 @@
           </p:nvSpPr>
           <p:spPr>
             <a:xfrm>
-              <a:off x="6400192" y="8686131"/>
+              <a:off x="6399001" y="8689828"/>
               <a:ext cx="24447" cy="28376"/>
             </a:xfrm>
             <a:custGeom>
@@ -17656,7 +17656,7 @@
           </p:nvSpPr>
           <p:spPr>
             <a:xfrm>
-              <a:off x="6439482" y="8686567"/>
+              <a:off x="6438291" y="8690264"/>
               <a:ext cx="24010" cy="25320"/>
             </a:xfrm>
             <a:custGeom>
@@ -17753,7 +17753,7 @@
           </p:nvSpPr>
           <p:spPr>
             <a:xfrm>
-              <a:off x="6397572" y="8707959"/>
+              <a:off x="6396381" y="8711656"/>
               <a:ext cx="66357" cy="52824"/>
             </a:xfrm>
             <a:custGeom>
@@ -18066,7 +18066,7 @@
           </p:nvSpPr>
           <p:spPr>
             <a:xfrm>
-              <a:off x="6361774" y="8662556"/>
+              <a:off x="6360583" y="8666254"/>
               <a:ext cx="36234" cy="97789"/>
             </a:xfrm>
             <a:custGeom>
@@ -18328,7 +18328,7 @@
           </p:nvSpPr>
           <p:spPr>
             <a:xfrm>
-              <a:off x="6377054" y="8670415"/>
+              <a:off x="6375863" y="8674112"/>
               <a:ext cx="12223" cy="17462"/>
             </a:xfrm>
             <a:custGeom>
@@ -18371,7 +18371,7 @@
           </p:nvSpPr>
           <p:spPr>
             <a:xfrm>
-              <a:off x="6376617" y="8695299"/>
+              <a:off x="6375426" y="8698996"/>
               <a:ext cx="12660" cy="17462"/>
             </a:xfrm>
             <a:custGeom>
@@ -18444,7 +18444,7 @@
           </p:nvSpPr>
           <p:spPr>
             <a:xfrm>
-              <a:off x="6490997" y="8700537"/>
+              <a:off x="6489806" y="8704234"/>
               <a:ext cx="29686" cy="13969"/>
             </a:xfrm>
             <a:custGeom>
@@ -18487,7 +18487,7 @@
           </p:nvSpPr>
           <p:spPr>
             <a:xfrm>
-              <a:off x="6497545" y="8705776"/>
+              <a:off x="6496354" y="8709473"/>
               <a:ext cx="16152" cy="3929"/>
             </a:xfrm>
             <a:custGeom>
@@ -18530,7 +18530,7 @@
           </p:nvSpPr>
           <p:spPr>
             <a:xfrm>
-              <a:off x="6527668" y="8700537"/>
+              <a:off x="6526477" y="8704234"/>
               <a:ext cx="30559" cy="13969"/>
             </a:xfrm>
             <a:custGeom>
@@ -18573,7 +18573,7 @@
           </p:nvSpPr>
           <p:spPr>
             <a:xfrm>
-              <a:off x="6534216" y="8705776"/>
+              <a:off x="6533026" y="8709473"/>
               <a:ext cx="17025" cy="3929"/>
             </a:xfrm>
             <a:custGeom>
@@ -18616,7 +18616,7 @@
           </p:nvSpPr>
           <p:spPr>
             <a:xfrm>
-              <a:off x="6478336" y="8659064"/>
+              <a:off x="6477146" y="8662761"/>
               <a:ext cx="93860" cy="48021"/>
             </a:xfrm>
             <a:custGeom>
@@ -18696,10 +18696,10 @@
                     <a:pt x="50641" y="13533"/>
                   </a:lnTo>
                   <a:lnTo>
-                    <a:pt x="83820" y="13533"/>
-                  </a:lnTo>
-                  <a:lnTo>
-                    <a:pt x="83820" y="28376"/>
+                    <a:pt x="83819" y="13533"/>
+                  </a:lnTo>
+                  <a:lnTo>
+                    <a:pt x="83819" y="28376"/>
                   </a:lnTo>
                   <a:lnTo>
                     <a:pt x="50641" y="28376"/>
@@ -18731,7 +18731,7 @@
           </p:nvSpPr>
           <p:spPr>
             <a:xfrm>
-              <a:off x="6528977" y="8677836"/>
+              <a:off x="6527787" y="8681533"/>
               <a:ext cx="25757" cy="4365"/>
             </a:xfrm>
             <a:custGeom>
@@ -18774,7 +18774,7 @@
           </p:nvSpPr>
           <p:spPr>
             <a:xfrm>
-              <a:off x="6494489" y="8677836"/>
+              <a:off x="6493298" y="8681533"/>
               <a:ext cx="26193" cy="4365"/>
             </a:xfrm>
             <a:custGeom>
@@ -18817,7 +18817,7 @@
           </p:nvSpPr>
           <p:spPr>
             <a:xfrm>
-              <a:off x="6475280" y="8711888"/>
+              <a:off x="6474090" y="8715585"/>
               <a:ext cx="96916" cy="49331"/>
             </a:xfrm>
             <a:custGeom>
@@ -18852,10 +18852,10 @@
                     <a:pt x="66794" y="6548"/>
                   </a:lnTo>
                   <a:lnTo>
-                    <a:pt x="90805" y="6548"/>
-                  </a:lnTo>
-                  <a:lnTo>
-                    <a:pt x="90805" y="11787"/>
+                    <a:pt x="90804" y="6548"/>
+                  </a:lnTo>
+                  <a:lnTo>
+                    <a:pt x="90804" y="11787"/>
                   </a:lnTo>
                   <a:lnTo>
                     <a:pt x="66794" y="11787"/>
@@ -19086,10 +19086,10 @@
                     <a:pt x="31869" y="48895"/>
                   </a:lnTo>
                   <a:lnTo>
-                    <a:pt x="27940" y="45402"/>
-                  </a:lnTo>
-                  <a:lnTo>
-                    <a:pt x="27940" y="38854"/>
+                    <a:pt x="27939" y="45402"/>
+                  </a:lnTo>
+                  <a:lnTo>
+                    <a:pt x="27939" y="38854"/>
                   </a:lnTo>
                   <a:lnTo>
                     <a:pt x="25355" y="39871"/>
@@ -19205,7 +19205,7 @@
           </p:nvSpPr>
           <p:spPr>
             <a:xfrm>
-              <a:off x="6511078" y="8723675"/>
+              <a:off x="6509888" y="8727372"/>
               <a:ext cx="23574" cy="3492"/>
             </a:xfrm>
             <a:custGeom>
@@ -19248,7 +19248,7 @@
           </p:nvSpPr>
           <p:spPr>
             <a:xfrm>
-              <a:off x="6511078" y="8732406"/>
+              <a:off x="6509888" y="8736104"/>
               <a:ext cx="23574" cy="3492"/>
             </a:xfrm>
             <a:custGeom>
@@ -19291,7 +19291,7 @@
           </p:nvSpPr>
           <p:spPr>
             <a:xfrm>
-              <a:off x="7031551" y="8659064"/>
+              <a:off x="7030573" y="8662761"/>
               <a:ext cx="52824" cy="14406"/>
             </a:xfrm>
             <a:custGeom>
@@ -19388,7 +19388,7 @@
           </p:nvSpPr>
           <p:spPr>
             <a:xfrm>
-              <a:off x="7070405" y="8674780"/>
+              <a:off x="7069427" y="8678477"/>
               <a:ext cx="16152" cy="21391"/>
             </a:xfrm>
             <a:custGeom>
@@ -19456,7 +19456,7 @@
                     <a:pt x="6264" y="5238"/>
                   </a:lnTo>
                   <a:lnTo>
-                    <a:pt x="6985" y="3492"/>
+                    <a:pt x="6984" y="3492"/>
                   </a:lnTo>
                   <a:lnTo>
                     <a:pt x="7661" y="1746"/>
@@ -19485,7 +19485,7 @@
           </p:nvSpPr>
           <p:spPr>
             <a:xfrm>
-              <a:off x="7052069" y="8676526"/>
+              <a:off x="7051091" y="8680224"/>
               <a:ext cx="10914" cy="19645"/>
             </a:xfrm>
             <a:custGeom>
@@ -19582,7 +19582,7 @@
           </p:nvSpPr>
           <p:spPr>
             <a:xfrm>
-              <a:off x="7030678" y="8677836"/>
+              <a:off x="7029700" y="8681533"/>
               <a:ext cx="15279" cy="18772"/>
             </a:xfrm>
             <a:custGeom>
@@ -19679,7 +19679,7 @@
           </p:nvSpPr>
           <p:spPr>
             <a:xfrm>
-              <a:off x="7028932" y="8700101"/>
+              <a:off x="7027953" y="8703798"/>
               <a:ext cx="59809" cy="60245"/>
             </a:xfrm>
             <a:custGeom>
@@ -20019,7 +20019,7 @@
           </p:nvSpPr>
           <p:spPr>
             <a:xfrm>
-              <a:off x="7092670" y="8659937"/>
+              <a:off x="7091692" y="8663634"/>
               <a:ext cx="35798" cy="98663"/>
             </a:xfrm>
             <a:custGeom>
@@ -20302,7 +20302,7 @@
           </p:nvSpPr>
           <p:spPr>
             <a:xfrm>
-              <a:off x="7139818" y="8662993"/>
+              <a:off x="7138840" y="8666690"/>
               <a:ext cx="44965" cy="97353"/>
             </a:xfrm>
             <a:custGeom>
@@ -20381,7 +20381,7 @@
           </p:nvSpPr>
           <p:spPr>
             <a:xfrm>
-              <a:off x="7159900" y="8670851"/>
+              <a:off x="7158922" y="8674548"/>
               <a:ext cx="3929" cy="10477"/>
             </a:xfrm>
             <a:custGeom>
@@ -20424,7 +20424,7 @@
           </p:nvSpPr>
           <p:spPr>
             <a:xfrm>
-              <a:off x="7149859" y="8688750"/>
+              <a:off x="7148881" y="8692447"/>
               <a:ext cx="24447" cy="41473"/>
             </a:xfrm>
             <a:custGeom>
@@ -20498,10 +20498,10 @@
                     <a:pt x="13989" y="23794"/>
                   </a:lnTo>
                   <a:lnTo>
-                    <a:pt x="13969" y="22701"/>
-                  </a:lnTo>
-                  <a:lnTo>
-                    <a:pt x="13969" y="0"/>
+                    <a:pt x="13970" y="22701"/>
+                  </a:lnTo>
+                  <a:lnTo>
+                    <a:pt x="13970" y="0"/>
                   </a:lnTo>
                   <a:lnTo>
                     <a:pt x="10040" y="0"/>
@@ -20566,7 +20566,7 @@
           </p:nvSpPr>
           <p:spPr>
             <a:xfrm>
-              <a:off x="7170378" y="8688750"/>
+              <a:off x="7169400" y="8692447"/>
               <a:ext cx="3929" cy="24010"/>
             </a:xfrm>
             <a:custGeom>
@@ -20663,7 +20663,7 @@
           </p:nvSpPr>
           <p:spPr>
             <a:xfrm>
-              <a:off x="7149859" y="8688750"/>
+              <a:off x="7148881" y="8692447"/>
               <a:ext cx="3929" cy="27066"/>
             </a:xfrm>
             <a:custGeom>
@@ -20733,7 +20733,7 @@
           </p:nvSpPr>
           <p:spPr>
             <a:xfrm>
-              <a:off x="7149859" y="8738082"/>
+              <a:off x="7148881" y="8741779"/>
               <a:ext cx="24447" cy="8731"/>
             </a:xfrm>
             <a:custGeom>
@@ -20776,7 +20776,7 @@
           </p:nvSpPr>
           <p:spPr>
             <a:xfrm>
-              <a:off x="7187404" y="8659064"/>
+              <a:off x="7186426" y="8662761"/>
               <a:ext cx="51950" cy="32305"/>
             </a:xfrm>
             <a:custGeom>
@@ -21002,7 +21002,7 @@
           </p:nvSpPr>
           <p:spPr>
             <a:xfrm>
-              <a:off x="7217527" y="8689623"/>
+              <a:off x="7216548" y="8693320"/>
               <a:ext cx="23574" cy="20955"/>
             </a:xfrm>
             <a:custGeom>
@@ -21099,7 +21099,7 @@
           </p:nvSpPr>
           <p:spPr>
             <a:xfrm>
-              <a:off x="7183475" y="8691806"/>
+              <a:off x="7182497" y="8695503"/>
               <a:ext cx="20081" cy="22701"/>
             </a:xfrm>
             <a:custGeom>
@@ -21196,7 +21196,7 @@
           </p:nvSpPr>
           <p:spPr>
             <a:xfrm>
-              <a:off x="7183038" y="8704030"/>
+              <a:off x="7182060" y="8707727"/>
               <a:ext cx="58062" cy="56753"/>
             </a:xfrm>
             <a:custGeom>
@@ -21545,7 +21545,7 @@
           </p:nvSpPr>
           <p:spPr>
             <a:xfrm>
-              <a:off x="7203557" y="8720183"/>
+              <a:off x="7202578" y="8723880"/>
               <a:ext cx="20518" cy="17025"/>
             </a:xfrm>
             <a:custGeom>
@@ -21642,7 +21642,7 @@
           </p:nvSpPr>
           <p:spPr>
             <a:xfrm>
-              <a:off x="7252452" y="8659937"/>
+              <a:off x="7251473" y="8663634"/>
               <a:ext cx="98663" cy="22701"/>
             </a:xfrm>
             <a:custGeom>
@@ -21733,7 +21733,7 @@
           </p:nvSpPr>
           <p:spPr>
             <a:xfrm>
-              <a:off x="7259000" y="8685694"/>
+              <a:off x="7258022" y="8689391"/>
               <a:ext cx="85566" cy="74652"/>
             </a:xfrm>
             <a:custGeom>
@@ -21788,7 +21788,7 @@
           </p:nvSpPr>
           <p:spPr>
             <a:xfrm>
-              <a:off x="7267731" y="8693552"/>
+              <a:off x="7266753" y="8697249"/>
               <a:ext cx="68103" cy="54570"/>
             </a:xfrm>
             <a:custGeom>
@@ -21831,7 +21831,7 @@
           </p:nvSpPr>
           <p:spPr>
             <a:xfrm>
-              <a:off x="7272097" y="8697045"/>
+              <a:off x="7271119" y="8700742"/>
               <a:ext cx="58935" cy="48458"/>
             </a:xfrm>
             <a:custGeom>
@@ -22000,7 +22000,7 @@
           </p:nvSpPr>
           <p:spPr>
             <a:xfrm>
-              <a:off x="7310514" y="8724985"/>
+              <a:off x="7309536" y="8728682"/>
               <a:ext cx="18335" cy="17899"/>
             </a:xfrm>
             <a:custGeom>
@@ -22008,7 +22008,7 @@
               <a:pathLst>
                 <a:path w="18335" h="17899">
                   <a:moveTo>
-                    <a:pt x="6985" y="0"/>
+                    <a:pt x="6984" y="0"/>
                   </a:moveTo>
                   <a:lnTo>
                     <a:pt x="8355" y="1235"/>
@@ -22097,7 +22097,7 @@
           </p:nvSpPr>
           <p:spPr>
             <a:xfrm>
-              <a:off x="7361592" y="8659500"/>
+              <a:off x="7360614" y="8663198"/>
               <a:ext cx="43656" cy="49331"/>
             </a:xfrm>
             <a:custGeom>
@@ -22326,7 +22326,7 @@
           </p:nvSpPr>
           <p:spPr>
             <a:xfrm>
-              <a:off x="7378618" y="8696172"/>
+              <a:off x="7377640" y="8699869"/>
               <a:ext cx="21828" cy="63301"/>
             </a:xfrm>
             <a:custGeom>
@@ -22432,7 +22432,7 @@
           </p:nvSpPr>
           <p:spPr>
             <a:xfrm>
-              <a:off x="7407431" y="8659064"/>
+              <a:off x="7406453" y="8662761"/>
               <a:ext cx="52824" cy="48458"/>
             </a:xfrm>
             <a:custGeom>
@@ -22536,7 +22536,7 @@
                     <a:pt x="21387" y="15624"/>
                   </a:lnTo>
                   <a:lnTo>
-                    <a:pt x="20954" y="17025"/>
+                    <a:pt x="20955" y="17025"/>
                   </a:lnTo>
                   <a:lnTo>
                     <a:pt x="52824" y="17025"/>
@@ -22661,7 +22661,7 @@
           </p:nvSpPr>
           <p:spPr>
             <a:xfrm>
-              <a:off x="7405685" y="8691370"/>
+              <a:off x="7404707" y="8695067"/>
               <a:ext cx="58935" cy="68976"/>
             </a:xfrm>
             <a:custGeom>
@@ -22884,18 +22884,18 @@
           </p:nvSpPr>
           <p:spPr>
             <a:xfrm>
-              <a:off x="7528796" y="8659937"/>
-              <a:ext cx="48895" cy="100409"/>
+              <a:off x="7527817" y="8663634"/>
+              <a:ext cx="48894" cy="100409"/>
             </a:xfrm>
             <a:custGeom>
               <a:avLst/>
               <a:pathLst>
-                <a:path w="48895" h="100409">
+                <a:path w="48894" h="100409">
                   <a:moveTo>
                     <a:pt x="48021" y="55880"/>
                   </a:moveTo>
                   <a:lnTo>
-                    <a:pt x="48895" y="64174"/>
+                    <a:pt x="48894" y="64174"/>
                   </a:lnTo>
                   <a:lnTo>
                     <a:pt x="35798" y="67230"/>
@@ -22951,7 +22951,7 @@
           </p:nvSpPr>
           <p:spPr>
             <a:xfrm>
-              <a:off x="7531852" y="8668232"/>
+              <a:off x="7530873" y="8671929"/>
               <a:ext cx="21828" cy="21828"/>
             </a:xfrm>
             <a:custGeom>
@@ -23048,7 +23048,7 @@
           </p:nvSpPr>
           <p:spPr>
             <a:xfrm>
-              <a:off x="7526613" y="8693989"/>
+              <a:off x="7525635" y="8697686"/>
               <a:ext cx="23137" cy="22264"/>
             </a:xfrm>
             <a:custGeom>
@@ -23145,7 +23145,7 @@
           </p:nvSpPr>
           <p:spPr>
             <a:xfrm>
-              <a:off x="7474225" y="8659937"/>
+              <a:off x="7473247" y="8663634"/>
               <a:ext cx="47148" cy="100845"/>
             </a:xfrm>
             <a:custGeom>
@@ -23294,7 +23294,7 @@
                     <a:pt x="7530" y="67536"/>
                   </a:lnTo>
                   <a:lnTo>
-                    <a:pt x="9779" y="64262"/>
+                    <a:pt x="9778" y="64262"/>
                   </a:lnTo>
                   <a:lnTo>
                     <a:pt x="11896" y="60900"/>
@@ -23341,7 +23341,7 @@
           </p:nvSpPr>
           <p:spPr>
             <a:xfrm>
-              <a:off x="7477718" y="8667359"/>
+              <a:off x="7476740" y="8671056"/>
               <a:ext cx="13533" cy="24010"/>
             </a:xfrm>
             <a:custGeom>
@@ -23438,7 +23438,7 @@
           </p:nvSpPr>
           <p:spPr>
             <a:xfrm>
-              <a:off x="7507404" y="8667359"/>
+              <a:off x="7506426" y="8671056"/>
               <a:ext cx="14843" cy="24447"/>
             </a:xfrm>
             <a:custGeom>
@@ -23535,7 +23535,7 @@
           </p:nvSpPr>
           <p:spPr>
             <a:xfrm>
-              <a:off x="8028313" y="8659937"/>
+              <a:off x="8027548" y="8663634"/>
               <a:ext cx="41036" cy="100409"/>
             </a:xfrm>
             <a:custGeom>
@@ -23821,7 +23821,7 @@
           </p:nvSpPr>
           <p:spPr>
             <a:xfrm>
-              <a:off x="8066731" y="8659064"/>
+              <a:off x="8065965" y="8662761"/>
               <a:ext cx="58062" cy="48458"/>
             </a:xfrm>
             <a:custGeom>
@@ -23931,7 +23931,7 @@
                     <a:pt x="49331" y="44965"/>
                   </a:lnTo>
                   <a:lnTo>
-                    <a:pt x="41910" y="41036"/>
+                    <a:pt x="41909" y="41036"/>
                   </a:lnTo>
                   <a:lnTo>
                     <a:pt x="42682" y="39465"/>
@@ -24050,7 +24050,7 @@
           </p:nvSpPr>
           <p:spPr>
             <a:xfrm>
-              <a:off x="8067167" y="8691370"/>
+              <a:off x="8066402" y="8695067"/>
               <a:ext cx="62428" cy="68976"/>
             </a:xfrm>
             <a:custGeom>
@@ -24273,7 +24273,7 @@
           </p:nvSpPr>
           <p:spPr>
             <a:xfrm>
-              <a:off x="8139200" y="8659937"/>
+              <a:off x="8138434" y="8663634"/>
               <a:ext cx="39290" cy="100409"/>
             </a:xfrm>
             <a:custGeom>
@@ -24469,7 +24469,7 @@
           </p:nvSpPr>
           <p:spPr>
             <a:xfrm>
-              <a:off x="8141819" y="8667359"/>
+              <a:off x="8141054" y="8671056"/>
               <a:ext cx="11350" cy="24010"/>
             </a:xfrm>
             <a:custGeom>
@@ -24566,7 +24566,7 @@
           </p:nvSpPr>
           <p:spPr>
             <a:xfrm>
-              <a:off x="8166267" y="8667359"/>
+              <a:off x="8165501" y="8671056"/>
               <a:ext cx="13096" cy="24447"/>
             </a:xfrm>
             <a:custGeom>
@@ -24663,7 +24663,7 @@
           </p:nvSpPr>
           <p:spPr>
             <a:xfrm>
-              <a:off x="8173688" y="8659064"/>
+              <a:off x="8172923" y="8662761"/>
               <a:ext cx="67230" cy="101282"/>
             </a:xfrm>
             <a:custGeom>
@@ -24770,10 +24770,10 @@
                     <a:pt x="35798" y="62428"/>
                   </a:lnTo>
                   <a:lnTo>
-                    <a:pt x="20955" y="62428"/>
-                  </a:lnTo>
-                  <a:lnTo>
-                    <a:pt x="20955" y="55006"/>
+                    <a:pt x="20954" y="62428"/>
+                  </a:lnTo>
+                  <a:lnTo>
+                    <a:pt x="20954" y="55006"/>
                   </a:lnTo>
                   <a:lnTo>
                     <a:pt x="35798" y="55006"/>
@@ -24910,7 +24910,7 @@
           </p:nvSpPr>
           <p:spPr>
             <a:xfrm>
-              <a:off x="8190714" y="8676090"/>
+              <a:off x="8189949" y="8679787"/>
               <a:ext cx="18772" cy="22264"/>
             </a:xfrm>
             <a:custGeom>
@@ -24965,7 +24965,7 @@
           </p:nvSpPr>
           <p:spPr>
             <a:xfrm>
-              <a:off x="8217781" y="8690496"/>
+              <a:off x="8217016" y="8694194"/>
               <a:ext cx="9604" cy="7858"/>
             </a:xfrm>
             <a:custGeom>
@@ -25008,7 +25008,7 @@
           </p:nvSpPr>
           <p:spPr>
             <a:xfrm>
-              <a:off x="8217781" y="8705776"/>
+              <a:off x="8217016" y="8709473"/>
               <a:ext cx="9604" cy="8294"/>
             </a:xfrm>
             <a:custGeom>
@@ -25051,7 +25051,7 @@
           </p:nvSpPr>
           <p:spPr>
             <a:xfrm>
-              <a:off x="8202065" y="8735462"/>
+              <a:off x="8201299" y="8739159"/>
               <a:ext cx="25757" cy="12660"/>
             </a:xfrm>
             <a:custGeom>
@@ -25094,7 +25094,7 @@
           </p:nvSpPr>
           <p:spPr>
             <a:xfrm>
-              <a:off x="8860928" y="8662993"/>
+              <a:off x="8860375" y="8666690"/>
               <a:ext cx="44965" cy="97353"/>
             </a:xfrm>
             <a:custGeom>
@@ -25141,10 +25141,10 @@
                     <a:pt x="2182" y="18335"/>
                   </a:lnTo>
                   <a:lnTo>
-                    <a:pt x="13970" y="18335"/>
-                  </a:lnTo>
-                  <a:lnTo>
-                    <a:pt x="13970" y="7858"/>
+                    <a:pt x="13969" y="18335"/>
+                  </a:lnTo>
+                  <a:lnTo>
+                    <a:pt x="13969" y="7858"/>
                   </a:lnTo>
                   <a:lnTo>
                     <a:pt x="0" y="7858"/>
@@ -25173,7 +25173,7 @@
           </p:nvSpPr>
           <p:spPr>
             <a:xfrm>
-              <a:off x="8881010" y="8670851"/>
+              <a:off x="8880457" y="8674548"/>
               <a:ext cx="3929" cy="10477"/>
             </a:xfrm>
             <a:custGeom>
@@ -25216,7 +25216,7 @@
           </p:nvSpPr>
           <p:spPr>
             <a:xfrm>
-              <a:off x="8870969" y="8688750"/>
+              <a:off x="8870416" y="8692447"/>
               <a:ext cx="24447" cy="41473"/>
             </a:xfrm>
             <a:custGeom>
@@ -25358,7 +25358,7 @@
           </p:nvSpPr>
           <p:spPr>
             <a:xfrm>
-              <a:off x="8891487" y="8688750"/>
+              <a:off x="8890934" y="8692447"/>
               <a:ext cx="3929" cy="24010"/>
             </a:xfrm>
             <a:custGeom>
@@ -25455,7 +25455,7 @@
           </p:nvSpPr>
           <p:spPr>
             <a:xfrm>
-              <a:off x="8870969" y="8688750"/>
+              <a:off x="8870416" y="8692447"/>
               <a:ext cx="3929" cy="27066"/>
             </a:xfrm>
             <a:custGeom>
@@ -25525,7 +25525,7 @@
           </p:nvSpPr>
           <p:spPr>
             <a:xfrm>
-              <a:off x="8870969" y="8738082"/>
+              <a:off x="8870416" y="8741779"/>
               <a:ext cx="24447" cy="8731"/>
             </a:xfrm>
             <a:custGeom>
@@ -25568,7 +25568,7 @@
           </p:nvSpPr>
           <p:spPr>
             <a:xfrm>
-              <a:off x="8908513" y="8659064"/>
+              <a:off x="8907960" y="8662761"/>
               <a:ext cx="51950" cy="32305"/>
             </a:xfrm>
             <a:custGeom>
@@ -25794,7 +25794,7 @@
           </p:nvSpPr>
           <p:spPr>
             <a:xfrm>
-              <a:off x="8938636" y="8689623"/>
+              <a:off x="8938083" y="8693320"/>
               <a:ext cx="23574" cy="20955"/>
             </a:xfrm>
             <a:custGeom>
@@ -25891,7 +25891,7 @@
           </p:nvSpPr>
           <p:spPr>
             <a:xfrm>
-              <a:off x="8904584" y="8691806"/>
+              <a:off x="8904031" y="8695503"/>
               <a:ext cx="20081" cy="22701"/>
             </a:xfrm>
             <a:custGeom>
@@ -25988,7 +25988,7 @@
           </p:nvSpPr>
           <p:spPr>
             <a:xfrm>
-              <a:off x="8904147" y="8704030"/>
+              <a:off x="8903595" y="8707727"/>
               <a:ext cx="58062" cy="56753"/>
             </a:xfrm>
             <a:custGeom>
@@ -26337,7 +26337,7 @@
           </p:nvSpPr>
           <p:spPr>
             <a:xfrm>
-              <a:off x="8924666" y="8720183"/>
+              <a:off x="8924113" y="8723880"/>
               <a:ext cx="20518" cy="17025"/>
             </a:xfrm>
             <a:custGeom>
@@ -26434,7 +26434,7 @@
           </p:nvSpPr>
           <p:spPr>
             <a:xfrm>
-              <a:off x="8972688" y="8659937"/>
+              <a:off x="8972135" y="8663634"/>
               <a:ext cx="39727" cy="100845"/>
             </a:xfrm>
             <a:custGeom>
@@ -26508,7 +26508,7 @@
                     <a:pt x="29280" y="65183"/>
                   </a:lnTo>
                   <a:lnTo>
-                    <a:pt x="27939" y="68976"/>
+                    <a:pt x="27940" y="68976"/>
                   </a:lnTo>
                   <a:lnTo>
                     <a:pt x="29158" y="70111"/>
@@ -26756,7 +26756,7 @@
           </p:nvSpPr>
           <p:spPr>
             <a:xfrm>
-              <a:off x="8984911" y="8687877"/>
+              <a:off x="8984359" y="8691574"/>
               <a:ext cx="14843" cy="34925"/>
             </a:xfrm>
             <a:custGeom>
@@ -26853,7 +26853,7 @@
           </p:nvSpPr>
           <p:spPr>
             <a:xfrm>
-              <a:off x="9005430" y="8665612"/>
+              <a:off x="9004877" y="8669309"/>
               <a:ext cx="64611" cy="94734"/>
             </a:xfrm>
             <a:custGeom>
@@ -26939,7 +26939,7 @@
                     <a:pt x="52824" y="0"/>
                   </a:lnTo>
                   <a:lnTo>
-                    <a:pt x="48894" y="32305"/>
+                    <a:pt x="48895" y="32305"/>
                   </a:lnTo>
                   <a:lnTo>
                     <a:pt x="64611" y="32305"/>
@@ -27220,7 +27220,7 @@
           </p:nvSpPr>
           <p:spPr>
             <a:xfrm>
-              <a:off x="9580473" y="8663430"/>
+              <a:off x="9580132" y="8667127"/>
               <a:ext cx="99536" cy="97353"/>
             </a:xfrm>
             <a:custGeom>
@@ -27329,7 +27329,7 @@
           </p:nvSpPr>
           <p:spPr>
             <a:xfrm>
-              <a:off x="9598372" y="8680019"/>
+              <a:off x="9598032" y="8683716"/>
               <a:ext cx="80327" cy="75961"/>
             </a:xfrm>
             <a:custGeom>
@@ -27408,13 +27408,13 @@
           </p:nvSpPr>
           <p:spPr>
             <a:xfrm>
-              <a:off x="9651632" y="8717127"/>
-              <a:ext cx="20955" cy="23574"/>
+              <a:off x="9651292" y="8720824"/>
+              <a:ext cx="20954" cy="23574"/>
             </a:xfrm>
             <a:custGeom>
               <a:avLst/>
               <a:pathLst>
-                <a:path w="20955" h="23574">
+                <a:path w="20954" h="23574">
                   <a:moveTo>
                     <a:pt x="6984" y="0"/>
                   </a:moveTo>
@@ -27446,7 +27446,7 @@
                     <a:pt x="19872" y="17130"/>
                   </a:lnTo>
                   <a:lnTo>
-                    <a:pt x="20955" y="19208"/>
+                    <a:pt x="20954" y="19208"/>
                   </a:lnTo>
                   <a:lnTo>
                     <a:pt x="13533" y="23574"/>
@@ -27505,7 +27505,7 @@
           </p:nvSpPr>
           <p:spPr>
             <a:xfrm>
-              <a:off x="9692669" y="8660810"/>
+              <a:off x="9692329" y="8664507"/>
               <a:ext cx="95170" cy="99536"/>
             </a:xfrm>
             <a:custGeom>
@@ -27603,7 +27603,7 @@
                     <a:pt x="7792" y="82113"/>
                   </a:lnTo>
                   <a:lnTo>
-                    <a:pt x="9779" y="77865"/>
+                    <a:pt x="9778" y="77865"/>
                   </a:lnTo>
                   <a:lnTo>
                     <a:pt x="11459" y="73451"/>
@@ -27647,7 +27647,7 @@
           </p:nvSpPr>
           <p:spPr>
             <a:xfrm>
-              <a:off x="9804429" y="8659937"/>
+              <a:off x="9804089" y="8663634"/>
               <a:ext cx="39290" cy="100409"/>
             </a:xfrm>
             <a:custGeom>
@@ -27843,7 +27843,7 @@
           </p:nvSpPr>
           <p:spPr>
             <a:xfrm>
-              <a:off x="9807049" y="8667359"/>
+              <a:off x="9806708" y="8671056"/>
               <a:ext cx="11350" cy="24010"/>
             </a:xfrm>
             <a:custGeom>
@@ -27851,7 +27851,7 @@
               <a:pathLst>
                 <a:path w="11350" h="24010">
                   <a:moveTo>
-                    <a:pt x="6985" y="0"/>
+                    <a:pt x="6984" y="0"/>
                   </a:moveTo>
                   <a:lnTo>
                     <a:pt x="7500" y="1938"/>
@@ -27940,7 +27940,7 @@
           </p:nvSpPr>
           <p:spPr>
             <a:xfrm>
-              <a:off x="9831496" y="8667359"/>
+              <a:off x="9831156" y="8671056"/>
               <a:ext cx="13096" cy="24447"/>
             </a:xfrm>
             <a:custGeom>
@@ -28037,7 +28037,7 @@
           </p:nvSpPr>
           <p:spPr>
             <a:xfrm>
-              <a:off x="9838918" y="8659064"/>
+              <a:off x="9838577" y="8662761"/>
               <a:ext cx="67230" cy="101282"/>
             </a:xfrm>
             <a:custGeom>
@@ -28284,7 +28284,7 @@
           </p:nvSpPr>
           <p:spPr>
             <a:xfrm>
-              <a:off x="9855944" y="8676090"/>
+              <a:off x="9855603" y="8679787"/>
               <a:ext cx="18772" cy="22264"/>
             </a:xfrm>
             <a:custGeom>
@@ -28339,7 +28339,7 @@
           </p:nvSpPr>
           <p:spPr>
             <a:xfrm>
-              <a:off x="9883010" y="8690496"/>
+              <a:off x="9882670" y="8694194"/>
               <a:ext cx="9604" cy="7858"/>
             </a:xfrm>
             <a:custGeom>
@@ -28382,7 +28382,7 @@
           </p:nvSpPr>
           <p:spPr>
             <a:xfrm>
-              <a:off x="9883010" y="8705776"/>
+              <a:off x="9882670" y="8709473"/>
               <a:ext cx="9604" cy="8294"/>
             </a:xfrm>
             <a:custGeom>
@@ -28425,7 +28425,7 @@
           </p:nvSpPr>
           <p:spPr>
             <a:xfrm>
-              <a:off x="9867294" y="8735462"/>
+              <a:off x="9866954" y="8739159"/>
               <a:ext cx="25757" cy="12660"/>
             </a:xfrm>
             <a:custGeom>
@@ -28468,7 +28468,7 @@
           </p:nvSpPr>
           <p:spPr>
             <a:xfrm>
-              <a:off x="9917062" y="8663866"/>
+              <a:off x="9916722" y="8667563"/>
               <a:ext cx="99972" cy="96916"/>
             </a:xfrm>
             <a:custGeom>
@@ -28673,7 +28673,7 @@
           </p:nvSpPr>
           <p:spPr>
             <a:xfrm>
-              <a:off x="9936708" y="8672161"/>
+              <a:off x="9936367" y="8675858"/>
               <a:ext cx="25757" cy="10914"/>
             </a:xfrm>
             <a:custGeom>
@@ -28716,7 +28716,7 @@
           </p:nvSpPr>
           <p:spPr>
             <a:xfrm>
-              <a:off x="9971196" y="8672161"/>
+              <a:off x="9970856" y="8675858"/>
               <a:ext cx="26193" cy="10914"/>
             </a:xfrm>
             <a:custGeom>
@@ -28759,7 +28759,7 @@
           </p:nvSpPr>
           <p:spPr>
             <a:xfrm>
-              <a:off x="9936708" y="8690496"/>
+              <a:off x="9936367" y="8694194"/>
               <a:ext cx="25757" cy="10477"/>
             </a:xfrm>
             <a:custGeom>
@@ -28802,7 +28802,7 @@
           </p:nvSpPr>
           <p:spPr>
             <a:xfrm>
-              <a:off x="9971196" y="8690496"/>
+              <a:off x="9970856" y="8694194"/>
               <a:ext cx="26193" cy="10477"/>
             </a:xfrm>
             <a:custGeom>
@@ -28845,7 +28845,7 @@
           </p:nvSpPr>
           <p:spPr>
             <a:xfrm>
-              <a:off x="10252432" y="8663430"/>
+              <a:off x="10252305" y="8667127"/>
               <a:ext cx="92551" cy="92987"/>
             </a:xfrm>
             <a:custGeom>
@@ -28900,7 +28900,7 @@
           </p:nvSpPr>
           <p:spPr>
             <a:xfrm>
-              <a:off x="10269895" y="8673470"/>
+              <a:off x="10269767" y="8677168"/>
               <a:ext cx="70286" cy="72905"/>
             </a:xfrm>
             <a:custGeom>
@@ -29246,7 +29246,7 @@
           </p:nvSpPr>
           <p:spPr>
             <a:xfrm>
-              <a:off x="10359827" y="8659937"/>
+              <a:off x="10359699" y="8663634"/>
               <a:ext cx="99099" cy="96480"/>
             </a:xfrm>
             <a:custGeom>
@@ -29442,7 +29442,7 @@
           </p:nvSpPr>
           <p:spPr>
             <a:xfrm>
-              <a:off x="10471150" y="8664739"/>
+              <a:off x="10471023" y="8668436"/>
               <a:ext cx="99099" cy="96480"/>
             </a:xfrm>
             <a:custGeom>
@@ -29617,7 +29617,7 @@
           </p:nvSpPr>
           <p:spPr>
             <a:xfrm>
-              <a:off x="10507385" y="8673034"/>
+              <a:off x="10507257" y="8676731"/>
               <a:ext cx="30559" cy="30559"/>
             </a:xfrm>
             <a:custGeom>
@@ -29690,7 +29690,7 @@
           </p:nvSpPr>
           <p:spPr>
             <a:xfrm>
-              <a:off x="10588149" y="8659937"/>
+              <a:off x="10588021" y="8663634"/>
               <a:ext cx="87312" cy="100409"/>
             </a:xfrm>
             <a:custGeom>
@@ -29805,7 +29805,7 @@
           </p:nvSpPr>
           <p:spPr>
             <a:xfrm>
-              <a:off x="10734834" y="8660374"/>
+              <a:off x="10734706" y="8664071"/>
               <a:ext cx="56316" cy="99972"/>
             </a:xfrm>
             <a:custGeom>
@@ -30121,7 +30121,7 @@
           </p:nvSpPr>
           <p:spPr>
             <a:xfrm>
-              <a:off x="10749240" y="8703593"/>
+              <a:off x="10749113" y="8707290"/>
               <a:ext cx="19208" cy="25320"/>
             </a:xfrm>
             <a:custGeom>
@@ -30218,7 +30218,7 @@
           </p:nvSpPr>
           <p:spPr>
             <a:xfrm>
-              <a:off x="10697289" y="8659937"/>
+              <a:off x="10697162" y="8663634"/>
               <a:ext cx="35798" cy="96480"/>
             </a:xfrm>
             <a:custGeom>
@@ -30339,7 +30339,7 @@
           </p:nvSpPr>
           <p:spPr>
             <a:xfrm>
-              <a:off x="10705148" y="8682638"/>
+              <a:off x="10705020" y="8686335"/>
               <a:ext cx="20081" cy="25320"/>
             </a:xfrm>
             <a:custGeom>
@@ -30382,7 +30382,7 @@
           </p:nvSpPr>
           <p:spPr>
             <a:xfrm>
-              <a:off x="10705148" y="8716254"/>
+              <a:off x="10705020" y="8719951"/>
               <a:ext cx="20081" cy="25320"/>
             </a:xfrm>
             <a:custGeom>
@@ -30425,7 +30425,7 @@
           </p:nvSpPr>
           <p:spPr>
             <a:xfrm>
-              <a:off x="10806867" y="8659937"/>
+              <a:off x="10806739" y="8663634"/>
               <a:ext cx="98226" cy="25320"/>
             </a:xfrm>
             <a:custGeom>
@@ -30516,7 +30516,7 @@
           </p:nvSpPr>
           <p:spPr>
             <a:xfrm>
-              <a:off x="10844848" y="8688314"/>
+              <a:off x="10844720" y="8692011"/>
               <a:ext cx="57626" cy="71596"/>
             </a:xfrm>
             <a:custGeom>
@@ -30805,7 +30805,7 @@
           </p:nvSpPr>
           <p:spPr>
             <a:xfrm>
-              <a:off x="10861437" y="8716690"/>
+              <a:off x="10861309" y="8720387"/>
               <a:ext cx="20954" cy="24884"/>
             </a:xfrm>
             <a:custGeom>
@@ -30902,7 +30902,7 @@
           </p:nvSpPr>
           <p:spPr>
             <a:xfrm>
-              <a:off x="10807303" y="8687004"/>
+              <a:off x="10807176" y="8690701"/>
               <a:ext cx="39727" cy="55006"/>
             </a:xfrm>
             <a:custGeom>
@@ -31218,7 +31218,7 @@
           </p:nvSpPr>
           <p:spPr>
             <a:xfrm>
-              <a:off x="10808176" y="8744194"/>
+              <a:off x="10808049" y="8747891"/>
               <a:ext cx="39727" cy="15716"/>
             </a:xfrm>
             <a:custGeom>
@@ -31315,7 +31315,7 @@
           </p:nvSpPr>
           <p:spPr>
             <a:xfrm>
-              <a:off x="10930414" y="8664303"/>
+              <a:off x="10930286" y="8668000"/>
               <a:ext cx="74215" cy="37980"/>
             </a:xfrm>
             <a:custGeom>
@@ -31358,7 +31358,7 @@
           </p:nvSpPr>
           <p:spPr>
             <a:xfrm>
-              <a:off x="10939145" y="8672597"/>
+              <a:off x="10939018" y="8676294"/>
               <a:ext cx="57189" cy="21391"/>
             </a:xfrm>
             <a:custGeom>
@@ -31401,7 +31401,7 @@
           </p:nvSpPr>
           <p:spPr>
             <a:xfrm>
-              <a:off x="10921246" y="8711015"/>
+              <a:off x="10921118" y="8714712"/>
               <a:ext cx="41473" cy="49331"/>
             </a:xfrm>
             <a:custGeom>
@@ -31456,7 +31456,7 @@
           </p:nvSpPr>
           <p:spPr>
             <a:xfrm>
-              <a:off x="10929541" y="8718873"/>
+              <a:off x="10929413" y="8722570"/>
               <a:ext cx="24884" cy="27066"/>
             </a:xfrm>
             <a:custGeom>
@@ -31499,7 +31499,7 @@
           </p:nvSpPr>
           <p:spPr>
             <a:xfrm>
-              <a:off x="10972324" y="8711015"/>
+              <a:off x="10972196" y="8714712"/>
               <a:ext cx="41036" cy="49331"/>
             </a:xfrm>
             <a:custGeom>
@@ -31554,7 +31554,7 @@
           </p:nvSpPr>
           <p:spPr>
             <a:xfrm>
-              <a:off x="10980619" y="8718873"/>
+              <a:off x="10980491" y="8722570"/>
               <a:ext cx="24447" cy="27066"/>
             </a:xfrm>
             <a:custGeom>
@@ -31597,7 +31597,7 @@
           </p:nvSpPr>
           <p:spPr>
             <a:xfrm>
-              <a:off x="4182149" y="4587883"/>
+              <a:off x="4180406" y="4587914"/>
               <a:ext cx="56316" cy="76889"/>
             </a:xfrm>
             <a:custGeom>
@@ -31661,7 +31661,7 @@
           </p:nvSpPr>
           <p:spPr>
             <a:xfrm>
-              <a:off x="4191208" y="4599610"/>
+              <a:off x="4189465" y="4599641"/>
               <a:ext cx="27176" cy="40005"/>
             </a:xfrm>
             <a:custGeom>
@@ -31875,7 +31875,7 @@
           </p:nvSpPr>
           <p:spPr>
             <a:xfrm>
-              <a:off x="4185260" y="3853768"/>
+              <a:off x="4183516" y="3852686"/>
               <a:ext cx="51568" cy="79126"/>
             </a:xfrm>
             <a:custGeom>
@@ -32749,7 +32749,7 @@
           </p:nvSpPr>
           <p:spPr>
             <a:xfrm>
-              <a:off x="4196010" y="3889676"/>
+              <a:off x="4194267" y="3888594"/>
               <a:ext cx="30832" cy="35306"/>
             </a:xfrm>
             <a:custGeom>
@@ -33260,7 +33260,7 @@
           </p:nvSpPr>
           <p:spPr>
             <a:xfrm>
-              <a:off x="4184441" y="3120800"/>
+              <a:off x="4182698" y="3118605"/>
               <a:ext cx="52442" cy="79126"/>
             </a:xfrm>
             <a:custGeom>
@@ -34257,7 +34257,7 @@
           </p:nvSpPr>
           <p:spPr>
             <a:xfrm>
-              <a:off x="4196283" y="3128112"/>
+              <a:off x="4194540" y="3125917"/>
               <a:ext cx="28485" cy="26575"/>
             </a:xfrm>
             <a:custGeom>
@@ -34768,7 +34768,7 @@
           </p:nvSpPr>
           <p:spPr>
             <a:xfrm>
-              <a:off x="4194591" y="3162055"/>
+              <a:off x="4192848" y="3159860"/>
               <a:ext cx="32087" cy="30504"/>
             </a:xfrm>
             <a:custGeom>
@@ -35279,7 +35279,7 @@
           </p:nvSpPr>
           <p:spPr>
             <a:xfrm>
-              <a:off x="4125942" y="2388977"/>
+              <a:off x="4124198" y="2385670"/>
               <a:ext cx="48185" cy="76889"/>
             </a:xfrm>
             <a:custGeom>
@@ -35343,7 +35343,7 @@
           </p:nvSpPr>
           <p:spPr>
             <a:xfrm>
-              <a:off x="4183950" y="2387831"/>
+              <a:off x="4182207" y="2384524"/>
               <a:ext cx="53424" cy="79126"/>
             </a:xfrm>
             <a:custGeom>
@@ -35786,7 +35786,7 @@
                     <a:pt x="48312" y="12306"/>
                   </a:lnTo>
                   <a:lnTo>
-                    <a:pt x="48895" y="13492"/>
+                    <a:pt x="48894" y="13492"/>
                   </a:lnTo>
                   <a:lnTo>
                     <a:pt x="49447" y="14740"/>
@@ -35854,7 +35854,7 @@
           </p:nvSpPr>
           <p:spPr>
             <a:xfrm>
-              <a:off x="4193882" y="2395799"/>
+              <a:off x="4192139" y="2392491"/>
               <a:ext cx="33506" cy="63137"/>
             </a:xfrm>
             <a:custGeom>
@@ -36365,7 +36365,7 @@
           </p:nvSpPr>
           <p:spPr>
             <a:xfrm>
-              <a:off x="4269576" y="4626328"/>
+              <a:off x="4267832" y="4626359"/>
               <a:ext cx="34794" cy="0"/>
             </a:xfrm>
             <a:custGeom>
@@ -36405,7 +36405,7 @@
           </p:nvSpPr>
           <p:spPr>
             <a:xfrm>
-              <a:off x="4269576" y="3893359"/>
+              <a:off x="4267832" y="3892277"/>
               <a:ext cx="34794" cy="0"/>
             </a:xfrm>
             <a:custGeom>
@@ -36445,7 +36445,7 @@
           </p:nvSpPr>
           <p:spPr>
             <a:xfrm>
-              <a:off x="4269576" y="3160391"/>
+              <a:off x="4267832" y="3158196"/>
               <a:ext cx="34794" cy="0"/>
             </a:xfrm>
             <a:custGeom>
@@ -36485,7 +36485,7 @@
           </p:nvSpPr>
           <p:spPr>
             <a:xfrm>
-              <a:off x="4269576" y="2427422"/>
+              <a:off x="4267832" y="2424114"/>
               <a:ext cx="34794" cy="0"/>
             </a:xfrm>
             <a:custGeom>
@@ -36525,7 +36525,7 @@
           </p:nvSpPr>
           <p:spPr>
             <a:xfrm>
-              <a:off x="4182149" y="7949318"/>
+              <a:off x="4180406" y="7952069"/>
               <a:ext cx="56316" cy="76889"/>
             </a:xfrm>
             <a:custGeom>
@@ -36589,7 +36589,7 @@
           </p:nvSpPr>
           <p:spPr>
             <a:xfrm>
-              <a:off x="4191208" y="7961045"/>
+              <a:off x="4189465" y="7963796"/>
               <a:ext cx="27176" cy="40005"/>
             </a:xfrm>
             <a:custGeom>
@@ -36803,7 +36803,7 @@
           </p:nvSpPr>
           <p:spPr>
             <a:xfrm>
-              <a:off x="4185260" y="7215203"/>
+              <a:off x="4183516" y="7216842"/>
               <a:ext cx="51568" cy="79126"/>
             </a:xfrm>
             <a:custGeom>
@@ -37677,7 +37677,7 @@
           </p:nvSpPr>
           <p:spPr>
             <a:xfrm>
-              <a:off x="4196010" y="7251111"/>
+              <a:off x="4194267" y="7252749"/>
               <a:ext cx="30832" cy="35306"/>
             </a:xfrm>
             <a:custGeom>
@@ -38188,7 +38188,7 @@
           </p:nvSpPr>
           <p:spPr>
             <a:xfrm>
-              <a:off x="4184441" y="6482235"/>
+              <a:off x="4182698" y="6482760"/>
               <a:ext cx="52442" cy="79126"/>
             </a:xfrm>
             <a:custGeom>
@@ -39185,7 +39185,7 @@
           </p:nvSpPr>
           <p:spPr>
             <a:xfrm>
-              <a:off x="4196283" y="6489547"/>
+              <a:off x="4194540" y="6490073"/>
               <a:ext cx="28485" cy="26575"/>
             </a:xfrm>
             <a:custGeom>
@@ -39696,7 +39696,7 @@
           </p:nvSpPr>
           <p:spPr>
             <a:xfrm>
-              <a:off x="4194591" y="6523490"/>
+              <a:off x="4192848" y="6524015"/>
               <a:ext cx="32087" cy="30504"/>
             </a:xfrm>
             <a:custGeom>
@@ -40207,7 +40207,7 @@
           </p:nvSpPr>
           <p:spPr>
             <a:xfrm>
-              <a:off x="4125942" y="5750412"/>
+              <a:off x="4124198" y="5749825"/>
               <a:ext cx="48185" cy="76889"/>
             </a:xfrm>
             <a:custGeom>
@@ -40271,7 +40271,7 @@
           </p:nvSpPr>
           <p:spPr>
             <a:xfrm>
-              <a:off x="4183950" y="5749266"/>
+              <a:off x="4182207" y="5748679"/>
               <a:ext cx="53424" cy="79126"/>
             </a:xfrm>
             <a:custGeom>
@@ -40714,7 +40714,7 @@
                     <a:pt x="48312" y="12306"/>
                   </a:lnTo>
                   <a:lnTo>
-                    <a:pt x="48895" y="13492"/>
+                    <a:pt x="48894" y="13492"/>
                   </a:lnTo>
                   <a:lnTo>
                     <a:pt x="49447" y="14740"/>
@@ -40782,7 +40782,7 @@
           </p:nvSpPr>
           <p:spPr>
             <a:xfrm>
-              <a:off x="4193882" y="5757233"/>
+              <a:off x="4192139" y="5756646"/>
               <a:ext cx="33506" cy="63137"/>
             </a:xfrm>
             <a:custGeom>
@@ -41293,7 +41293,7 @@
           </p:nvSpPr>
           <p:spPr>
             <a:xfrm>
-              <a:off x="4269576" y="7987763"/>
+              <a:off x="4267832" y="7990514"/>
               <a:ext cx="34794" cy="0"/>
             </a:xfrm>
             <a:custGeom>
@@ -41333,7 +41333,7 @@
           </p:nvSpPr>
           <p:spPr>
             <a:xfrm>
-              <a:off x="4269576" y="7254794"/>
+              <a:off x="4267832" y="7256432"/>
               <a:ext cx="34794" cy="0"/>
             </a:xfrm>
             <a:custGeom>
@@ -41373,7 +41373,7 @@
           </p:nvSpPr>
           <p:spPr>
             <a:xfrm>
-              <a:off x="4269576" y="6521825"/>
+              <a:off x="4267832" y="6522351"/>
               <a:ext cx="34794" cy="0"/>
             </a:xfrm>
             <a:custGeom>
@@ -41413,7 +41413,7 @@
           </p:nvSpPr>
           <p:spPr>
             <a:xfrm>
-              <a:off x="4269576" y="5788857"/>
+              <a:off x="4267832" y="5788270"/>
               <a:ext cx="34794" cy="0"/>
             </a:xfrm>
             <a:custGeom>
@@ -41453,7 +41453,7 @@
           </p:nvSpPr>
           <p:spPr>
             <a:xfrm>
-              <a:off x="7453970" y="8794489"/>
+              <a:off x="7453098" y="8796232"/>
               <a:ext cx="112414" cy="24556"/>
             </a:xfrm>
             <a:custGeom>
@@ -41562,7 +41562,7 @@
           </p:nvSpPr>
           <p:spPr>
             <a:xfrm>
-              <a:off x="7444693" y="8821774"/>
+              <a:off x="7443821" y="8823517"/>
               <a:ext cx="122783" cy="98226"/>
             </a:xfrm>
             <a:custGeom>
@@ -41737,7 +41737,7 @@
           </p:nvSpPr>
           <p:spPr>
             <a:xfrm>
-              <a:off x="7477981" y="8822320"/>
+              <a:off x="7477109" y="8824063"/>
               <a:ext cx="19645" cy="21282"/>
             </a:xfrm>
             <a:custGeom>
@@ -41834,7 +41834,7 @@
           </p:nvSpPr>
           <p:spPr>
             <a:xfrm>
-              <a:off x="7601856" y="8798854"/>
+              <a:off x="7600984" y="8800598"/>
               <a:ext cx="92769" cy="47476"/>
             </a:xfrm>
             <a:custGeom>
@@ -41877,7 +41877,7 @@
           </p:nvSpPr>
           <p:spPr>
             <a:xfrm>
-              <a:off x="7612770" y="8809223"/>
+              <a:off x="7611898" y="8810966"/>
               <a:ext cx="71487" cy="26739"/>
             </a:xfrm>
             <a:custGeom>
@@ -41920,7 +41920,7 @@
           </p:nvSpPr>
           <p:spPr>
             <a:xfrm>
-              <a:off x="7590396" y="8857245"/>
+              <a:off x="7589524" y="8858988"/>
               <a:ext cx="51841" cy="61664"/>
             </a:xfrm>
             <a:custGeom>
@@ -41975,7 +41975,7 @@
           </p:nvSpPr>
           <p:spPr>
             <a:xfrm>
-              <a:off x="7600764" y="8867067"/>
+              <a:off x="7599892" y="8868811"/>
               <a:ext cx="31105" cy="33833"/>
             </a:xfrm>
             <a:custGeom>
@@ -42018,7 +42018,7 @@
           </p:nvSpPr>
           <p:spPr>
             <a:xfrm>
-              <a:off x="7654243" y="8857245"/>
+              <a:off x="7653371" y="8858988"/>
               <a:ext cx="51296" cy="61664"/>
             </a:xfrm>
             <a:custGeom>
@@ -42073,7 +42073,7 @@
           </p:nvSpPr>
           <p:spPr>
             <a:xfrm>
-              <a:off x="7664611" y="8867067"/>
+              <a:off x="7663740" y="8868811"/>
               <a:ext cx="30559" cy="33833"/>
             </a:xfrm>
             <a:custGeom>
@@ -42116,7 +42116,7 @@
           </p:nvSpPr>
           <p:spPr>
             <a:xfrm>
-              <a:off x="7724093" y="8798854"/>
+              <a:off x="7723221" y="8800598"/>
               <a:ext cx="72578" cy="120054"/>
             </a:xfrm>
             <a:custGeom>
@@ -42217,7 +42217,7 @@
                     <a:pt x="15890" y="80594"/>
                   </a:lnTo>
                   <a:lnTo>
-                    <a:pt x="16764" y="75219"/>
+                    <a:pt x="16763" y="75219"/>
                   </a:lnTo>
                   <a:lnTo>
                     <a:pt x="17287" y="69637"/>
@@ -42267,7 +42267,7 @@
           </p:nvSpPr>
           <p:spPr>
             <a:xfrm>
-              <a:off x="7752470" y="8809223"/>
+              <a:off x="7751598" y="8810966"/>
               <a:ext cx="18553" cy="41473"/>
             </a:xfrm>
             <a:custGeom>
@@ -42310,7 +42310,7 @@
           </p:nvSpPr>
           <p:spPr>
             <a:xfrm>
-              <a:off x="7796126" y="8794489"/>
+              <a:off x="7795254" y="8796232"/>
               <a:ext cx="47476" cy="43656"/>
             </a:xfrm>
             <a:custGeom>
@@ -42407,7 +42407,7 @@
           </p:nvSpPr>
           <p:spPr>
             <a:xfrm>
-              <a:off x="7798854" y="8831051"/>
+              <a:off x="7797983" y="8832794"/>
               <a:ext cx="47476" cy="42019"/>
             </a:xfrm>
             <a:custGeom>
@@ -42504,7 +42504,7 @@
           </p:nvSpPr>
           <p:spPr>
             <a:xfrm>
-              <a:off x="7792306" y="8865976"/>
+              <a:off x="7791434" y="8867719"/>
               <a:ext cx="59481" cy="52387"/>
             </a:xfrm>
             <a:custGeom>
@@ -42601,7 +42601,7 @@
           </p:nvSpPr>
           <p:spPr>
             <a:xfrm>
-              <a:off x="7867613" y="8793397"/>
+              <a:off x="7866741" y="8795141"/>
               <a:ext cx="122237" cy="125511"/>
             </a:xfrm>
             <a:custGeom>
@@ -42926,7 +42926,7 @@
           </p:nvSpPr>
           <p:spPr>
             <a:xfrm>
-              <a:off x="7957108" y="8793397"/>
+              <a:off x="7956237" y="8795141"/>
               <a:ext cx="23465" cy="20736"/>
             </a:xfrm>
             <a:custGeom>
@@ -43023,7 +43023,7 @@
           </p:nvSpPr>
           <p:spPr>
             <a:xfrm>
-              <a:off x="7867613" y="8849605"/>
+              <a:off x="7866741" y="8851348"/>
               <a:ext cx="67121" cy="62210"/>
             </a:xfrm>
             <a:custGeom>
@@ -43504,7 +43504,7 @@
                     <a:pt x="11219" y="3525"/>
                   </a:lnTo>
                   <a:lnTo>
-                    <a:pt x="12573" y="7115"/>
+                    <a:pt x="12572" y="7115"/>
                   </a:lnTo>
                   <a:lnTo>
                     <a:pt x="13882" y="10772"/>
@@ -44510,7 +44510,7 @@
                     <a:pt x="15814" y="3896"/>
                   </a:lnTo>
                   <a:lnTo>
-                    <a:pt x="18161" y="2532"/>
+                    <a:pt x="18160" y="2532"/>
                   </a:lnTo>
                   <a:lnTo>
                     <a:pt x="20529" y="1233"/>
@@ -44807,7 +44807,7 @@
                     <a:pt x="10477" y="13708"/>
                   </a:lnTo>
                   <a:lnTo>
-                    <a:pt x="6985" y="12507"/>
+                    <a:pt x="6984" y="12507"/>
                   </a:lnTo>
                   <a:lnTo>
                     <a:pt x="3492" y="11394"/>
@@ -45476,7 +45476,7 @@
           </p:nvSpPr>
           <p:spPr>
             <a:xfrm>
-              <a:off x="4309964" y="1757455"/>
+              <a:off x="4308220" y="1757455"/>
               <a:ext cx="32264" cy="121828"/>
             </a:xfrm>
             <a:custGeom>
@@ -45933,7 +45933,7 @@
           </p:nvSpPr>
           <p:spPr>
             <a:xfrm>
-              <a:off x="4358531" y="1757455"/>
+              <a:off x="4356788" y="1757455"/>
               <a:ext cx="36357" cy="99727"/>
             </a:xfrm>
             <a:custGeom>
@@ -46225,7 +46225,7 @@
           </p:nvSpPr>
           <p:spPr>
             <a:xfrm>
-              <a:off x="4428927" y="1814003"/>
+              <a:off x="4427184" y="1814003"/>
               <a:ext cx="33833" cy="11459"/>
             </a:xfrm>
             <a:custGeom>
@@ -46268,7 +46268,7 @@
           </p:nvSpPr>
           <p:spPr>
             <a:xfrm>
-              <a:off x="4480428" y="1757455"/>
+              <a:off x="4478684" y="1757455"/>
               <a:ext cx="36357" cy="99727"/>
             </a:xfrm>
             <a:custGeom>
@@ -46560,7 +46560,7 @@
           </p:nvSpPr>
           <p:spPr>
             <a:xfrm>
-              <a:off x="4551915" y="1755886"/>
+              <a:off x="4550171" y="1755886"/>
               <a:ext cx="63710" cy="102660"/>
             </a:xfrm>
             <a:custGeom>
@@ -47071,7 +47071,7 @@
           </p:nvSpPr>
           <p:spPr>
             <a:xfrm>
-              <a:off x="4564534" y="1766527"/>
+              <a:off x="4562791" y="1766527"/>
               <a:ext cx="38540" cy="81446"/>
             </a:xfrm>
             <a:custGeom>
@@ -47582,7 +47582,7 @@
           </p:nvSpPr>
           <p:spPr>
             <a:xfrm>
-              <a:off x="4626472" y="1840947"/>
+              <a:off x="4624728" y="1840947"/>
               <a:ext cx="21418" cy="34242"/>
             </a:xfrm>
             <a:custGeom>
@@ -47862,7 +47862,7 @@
           </p:nvSpPr>
           <p:spPr>
             <a:xfrm>
-              <a:off x="4669241" y="1757455"/>
+              <a:off x="4667498" y="1757455"/>
               <a:ext cx="36357" cy="99727"/>
             </a:xfrm>
             <a:custGeom>
@@ -48154,7 +48154,7 @@
           </p:nvSpPr>
           <p:spPr>
             <a:xfrm>
-              <a:off x="4740728" y="1755886"/>
+              <a:off x="4738985" y="1755886"/>
               <a:ext cx="63710" cy="102660"/>
             </a:xfrm>
             <a:custGeom>
@@ -48665,7 +48665,7 @@
           </p:nvSpPr>
           <p:spPr>
             <a:xfrm>
-              <a:off x="4753348" y="1766527"/>
+              <a:off x="4751604" y="1766527"/>
               <a:ext cx="38540" cy="81446"/>
             </a:xfrm>
             <a:custGeom>
@@ -49176,7 +49176,7 @@
           </p:nvSpPr>
           <p:spPr>
             <a:xfrm>
-              <a:off x="4892843" y="1744767"/>
+              <a:off x="4891099" y="1744767"/>
               <a:ext cx="51296" cy="60027"/>
             </a:xfrm>
             <a:custGeom>
@@ -49273,7 +49273,7 @@
           </p:nvSpPr>
           <p:spPr>
             <a:xfrm>
-              <a:off x="4818627" y="1745313"/>
+              <a:off x="4816884" y="1745313"/>
               <a:ext cx="50750" cy="60573"/>
             </a:xfrm>
             <a:custGeom>
@@ -49370,7 +49370,7 @@
           </p:nvSpPr>
           <p:spPr>
             <a:xfrm>
-              <a:off x="4821902" y="1798246"/>
+              <a:off x="4820158" y="1798246"/>
               <a:ext cx="99317" cy="71487"/>
             </a:xfrm>
             <a:custGeom>
@@ -49719,7 +49719,7 @@
           </p:nvSpPr>
           <p:spPr>
             <a:xfrm>
-              <a:off x="4956145" y="1744221"/>
+              <a:off x="4954401" y="1744221"/>
               <a:ext cx="129331" cy="124420"/>
             </a:xfrm>
             <a:custGeom>
@@ -50149,7 +50149,7 @@
           </p:nvSpPr>
           <p:spPr>
             <a:xfrm>
-              <a:off x="5110578" y="1751861"/>
+              <a:off x="5108835" y="1751861"/>
               <a:ext cx="99317" cy="10368"/>
             </a:xfrm>
             <a:custGeom>
@@ -50192,7 +50192,7 @@
           </p:nvSpPr>
           <p:spPr>
             <a:xfrm>
-              <a:off x="5100756" y="1786786"/>
+              <a:off x="5099012" y="1786786"/>
               <a:ext cx="118963" cy="82946"/>
             </a:xfrm>
             <a:custGeom>
@@ -50397,7 +50397,7 @@
           </p:nvSpPr>
           <p:spPr>
             <a:xfrm>
-              <a:off x="5180428" y="1810797"/>
+              <a:off x="5178685" y="1810797"/>
               <a:ext cx="42564" cy="50204"/>
             </a:xfrm>
             <a:custGeom>
@@ -50494,7 +50494,7 @@
           </p:nvSpPr>
           <p:spPr>
             <a:xfrm>
-              <a:off x="5097482" y="1811343"/>
+              <a:off x="5095738" y="1811343"/>
               <a:ext cx="40927" cy="51841"/>
             </a:xfrm>
             <a:custGeom>
@@ -50591,7 +50591,7 @@
           </p:nvSpPr>
           <p:spPr>
             <a:xfrm>
-              <a:off x="5237182" y="1744221"/>
+              <a:off x="5235438" y="1744221"/>
               <a:ext cx="52933" cy="124966"/>
             </a:xfrm>
             <a:custGeom>
@@ -50670,7 +50670,7 @@
           </p:nvSpPr>
           <p:spPr>
             <a:xfrm>
-              <a:off x="5308123" y="1744221"/>
+              <a:off x="5306379" y="1744221"/>
               <a:ext cx="54024" cy="125511"/>
             </a:xfrm>
             <a:custGeom>
@@ -50749,7 +50749,7 @@
           </p:nvSpPr>
           <p:spPr>
             <a:xfrm>
-              <a:off x="5380156" y="1744221"/>
+              <a:off x="5378412" y="1744221"/>
               <a:ext cx="118417" cy="42564"/>
             </a:xfrm>
             <a:custGeom>
@@ -50948,7 +50948,7 @@
           </p:nvSpPr>
           <p:spPr>
             <a:xfrm>
-              <a:off x="5389978" y="1782966"/>
+              <a:off x="5388235" y="1782966"/>
               <a:ext cx="99317" cy="87312"/>
             </a:xfrm>
             <a:custGeom>
@@ -51189,7 +51189,7 @@
           </p:nvSpPr>
           <p:spPr>
             <a:xfrm>
-              <a:off x="5412352" y="1791698"/>
+              <a:off x="5410609" y="1791698"/>
               <a:ext cx="53478" cy="13642"/>
             </a:xfrm>
             <a:custGeom>
@@ -51232,7 +51232,7 @@
           </p:nvSpPr>
           <p:spPr>
             <a:xfrm>
-              <a:off x="5521493" y="1745313"/>
+              <a:off x="5519749" y="1745313"/>
               <a:ext cx="26739" cy="21828"/>
             </a:xfrm>
             <a:custGeom>
@@ -51329,7 +51329,7 @@
           </p:nvSpPr>
           <p:spPr>
             <a:xfrm>
-              <a:off x="5516036" y="1779146"/>
+              <a:off x="5514292" y="1779146"/>
               <a:ext cx="27830" cy="22919"/>
             </a:xfrm>
             <a:custGeom>
@@ -51426,7 +51426,7 @@
           </p:nvSpPr>
           <p:spPr>
             <a:xfrm>
-              <a:off x="5517127" y="1812434"/>
+              <a:off x="5515384" y="1812434"/>
               <a:ext cx="34925" cy="56753"/>
             </a:xfrm>
             <a:custGeom>
@@ -51523,7 +51523,7 @@
           </p:nvSpPr>
           <p:spPr>
             <a:xfrm>
-              <a:off x="5549324" y="1744221"/>
+              <a:off x="5547580" y="1744221"/>
               <a:ext cx="92769" cy="30559"/>
             </a:xfrm>
             <a:custGeom>
@@ -51614,7 +51614,7 @@
           </p:nvSpPr>
           <p:spPr>
             <a:xfrm>
-              <a:off x="5552052" y="1778601"/>
+              <a:off x="5550309" y="1778601"/>
               <a:ext cx="88403" cy="91132"/>
             </a:xfrm>
             <a:custGeom>
@@ -52104,7 +52104,7 @@
           </p:nvSpPr>
           <p:spPr>
             <a:xfrm>
-              <a:off x="5587523" y="1788423"/>
+              <a:off x="5585779" y="1788423"/>
               <a:ext cx="16916" cy="9822"/>
             </a:xfrm>
             <a:custGeom>
@@ -52147,7 +52147,7 @@
           </p:nvSpPr>
           <p:spPr>
             <a:xfrm>
-              <a:off x="5613171" y="1807523"/>
+              <a:off x="5611428" y="1807523"/>
               <a:ext cx="14733" cy="27285"/>
             </a:xfrm>
             <a:custGeom>
@@ -52217,7 +52217,7 @@
           </p:nvSpPr>
           <p:spPr>
             <a:xfrm>
-              <a:off x="5657919" y="1742584"/>
+              <a:off x="5656175" y="1742584"/>
               <a:ext cx="122783" cy="42019"/>
             </a:xfrm>
             <a:custGeom>
@@ -52404,7 +52404,7 @@
           </p:nvSpPr>
           <p:spPr>
             <a:xfrm>
-              <a:off x="5696118" y="1762230"/>
+              <a:off x="5694374" y="1762230"/>
               <a:ext cx="44747" cy="13096"/>
             </a:xfrm>
             <a:custGeom>
@@ -52501,7 +52501,7 @@
           </p:nvSpPr>
           <p:spPr>
             <a:xfrm>
-              <a:off x="5672107" y="1791698"/>
+              <a:off x="5670363" y="1791698"/>
               <a:ext cx="92223" cy="40927"/>
             </a:xfrm>
             <a:custGeom>
@@ -52544,7 +52544,7 @@
           </p:nvSpPr>
           <p:spPr>
             <a:xfrm>
-              <a:off x="5683021" y="1800975"/>
+              <a:off x="5681278" y="1800975"/>
               <a:ext cx="70395" cy="7639"/>
             </a:xfrm>
             <a:custGeom>
@@ -52587,7 +52587,7 @@
           </p:nvSpPr>
           <p:spPr>
             <a:xfrm>
-              <a:off x="5683021" y="1815709"/>
+              <a:off x="5681278" y="1815709"/>
               <a:ext cx="70395" cy="8185"/>
             </a:xfrm>
             <a:custGeom>
@@ -52630,7 +52630,7 @@
           </p:nvSpPr>
           <p:spPr>
             <a:xfrm>
-              <a:off x="5757782" y="1835900"/>
+              <a:off x="5756039" y="1835900"/>
               <a:ext cx="24556" cy="30559"/>
             </a:xfrm>
             <a:custGeom>
@@ -52727,7 +52727,7 @@
           </p:nvSpPr>
           <p:spPr>
             <a:xfrm>
-              <a:off x="5710852" y="1835900"/>
+              <a:off x="5709108" y="1835900"/>
               <a:ext cx="16371" cy="16916"/>
             </a:xfrm>
             <a:custGeom>
@@ -52824,7 +52824,7 @@
           </p:nvSpPr>
           <p:spPr>
             <a:xfrm>
-              <a:off x="5656282" y="1836991"/>
+              <a:off x="5654538" y="1836991"/>
               <a:ext cx="25102" cy="30013"/>
             </a:xfrm>
             <a:custGeom>
@@ -52921,7 +52921,7 @@
           </p:nvSpPr>
           <p:spPr>
             <a:xfrm>
-              <a:off x="5686841" y="1838628"/>
+              <a:off x="5685097" y="1838628"/>
               <a:ext cx="70395" cy="29467"/>
             </a:xfrm>
             <a:custGeom>
@@ -53234,7 +53234,7 @@
           </p:nvSpPr>
           <p:spPr>
             <a:xfrm>
-              <a:off x="5793048" y="1757455"/>
+              <a:off x="5791305" y="1757455"/>
               <a:ext cx="32332" cy="121828"/>
             </a:xfrm>
             <a:custGeom>
